--- a/AI-Infra/vllm-PageAttention.pptx
+++ b/AI-Infra/vllm-PageAttention.pptx
@@ -5,7 +5,7 @@
     <p:sldMasterId id="2147483648" r:id="rId1"/>
   </p:sldMasterIdLst>
   <p:notesMasterIdLst>
-    <p:notesMasterId r:id="rId9"/>
+    <p:notesMasterId r:id="rId12"/>
   </p:notesMasterIdLst>
   <p:sldIdLst>
     <p:sldId id="410" r:id="rId2"/>
@@ -14,7 +14,10 @@
     <p:sldId id="553" r:id="rId5"/>
     <p:sldId id="554" r:id="rId6"/>
     <p:sldId id="555" r:id="rId7"/>
-    <p:sldId id="411" r:id="rId8"/>
+    <p:sldId id="556" r:id="rId8"/>
+    <p:sldId id="557" r:id="rId9"/>
+    <p:sldId id="558" r:id="rId10"/>
+    <p:sldId id="411" r:id="rId11"/>
   </p:sldIdLst>
   <p:sldSz cx="12192000" cy="6858000"/>
   <p:notesSz cx="6858000" cy="9144000"/>
@@ -203,7 +206,7 @@
           <a:p>
             <a:fld id="{4A52B4EB-71A4-431D-81B4-414C21715A07}" type="datetimeFigureOut">
               <a:rPr lang="zh-CN" altLang="en-US" smtClean="0"/>
-              <a:t>2025/10/20</a:t>
+              <a:t>2025/10/23</a:t>
             </a:fld>
             <a:endParaRPr lang="zh-CN" altLang="en-US"/>
           </a:p>
@@ -544,6 +547,85 @@
 </p:notes>
 </file>
 
+<file path=ppt/notesSlides/notesSlide10.xml><?xml version="1.0" encoding="utf-8"?>
+<p:notes xmlns:a="http://schemas.openxmlformats.org/drawingml/2006/main" xmlns:r="http://schemas.openxmlformats.org/officeDocument/2006/relationships" xmlns:p="http://schemas.openxmlformats.org/presentationml/2006/main">
+  <p:cSld>
+    <p:spTree>
+      <p:nvGrpSpPr>
+        <p:cNvPr id="1" name=""/>
+        <p:cNvGrpSpPr/>
+        <p:nvPr/>
+      </p:nvGrpSpPr>
+      <p:grpSpPr>
+        <a:xfrm>
+          <a:off x="0" y="0"/>
+          <a:ext cx="0" cy="0"/>
+          <a:chOff x="0" y="0"/>
+          <a:chExt cx="0" cy="0"/>
+        </a:xfrm>
+      </p:grpSpPr>
+      <p:sp>
+        <p:nvSpPr>
+          <p:cNvPr id="2" name="幻灯片图像占位符 1"/>
+          <p:cNvSpPr>
+            <a:spLocks noGrp="1" noRot="1" noChangeAspect="1"/>
+          </p:cNvSpPr>
+          <p:nvPr>
+            <p:ph type="sldImg"/>
+          </p:nvPr>
+        </p:nvSpPr>
+        <p:spPr/>
+      </p:sp>
+      <p:sp>
+        <p:nvSpPr>
+          <p:cNvPr id="3" name="备注占位符 2"/>
+          <p:cNvSpPr>
+            <a:spLocks noGrp="1"/>
+          </p:cNvSpPr>
+          <p:nvPr>
+            <p:ph type="body" idx="1"/>
+          </p:nvPr>
+        </p:nvSpPr>
+        <p:spPr/>
+        <p:txBody>
+          <a:bodyPr/>
+          <a:lstStyle/>
+          <a:p>
+            <a:endParaRPr lang="zh-CN" altLang="en-US" dirty="0"/>
+          </a:p>
+        </p:txBody>
+      </p:sp>
+      <p:sp>
+        <p:nvSpPr>
+          <p:cNvPr id="4" name="灯片编号占位符 3"/>
+          <p:cNvSpPr>
+            <a:spLocks noGrp="1"/>
+          </p:cNvSpPr>
+          <p:nvPr>
+            <p:ph type="sldNum" sz="quarter" idx="10"/>
+          </p:nvPr>
+        </p:nvSpPr>
+        <p:spPr/>
+        <p:txBody>
+          <a:bodyPr/>
+          <a:lstStyle/>
+          <a:p>
+            <a:fld id="{04F69107-35E3-4F45-9121-475D3C203D59}" type="slidenum">
+              <a:rPr lang="zh-CN" altLang="en-US" smtClean="0"/>
+              <a:t>10</a:t>
+            </a:fld>
+            <a:endParaRPr lang="zh-CN" altLang="en-US"/>
+          </a:p>
+        </p:txBody>
+      </p:sp>
+    </p:spTree>
+  </p:cSld>
+  <p:clrMapOvr>
+    <a:masterClrMapping/>
+  </p:clrMapOvr>
+</p:notes>
+</file>
+
 <file path=ppt/notesSlides/notesSlide2.xml><?xml version="1.0" encoding="utf-8"?>
 <p:notes xmlns:a="http://schemas.openxmlformats.org/drawingml/2006/main" xmlns:r="http://schemas.openxmlformats.org/officeDocument/2006/relationships" xmlns:p="http://schemas.openxmlformats.org/presentationml/2006/main">
   <p:cSld>
@@ -999,7 +1081,7 @@
             <a:spLocks noGrp="1"/>
           </p:cNvSpPr>
           <p:nvPr>
-            <p:ph type="sldNum" sz="quarter" idx="10"/>
+            <p:ph type="sldNum" sz="quarter" idx="5"/>
           </p:nvPr>
         </p:nvSpPr>
         <p:spPr/>
@@ -1007,7 +1089,7 @@
           <a:bodyPr/>
           <a:lstStyle/>
           <a:p>
-            <a:fld id="{04F69107-35E3-4F45-9121-475D3C203D59}" type="slidenum">
+            <a:fld id="{9963718C-E13D-4500-A87B-3750CAAD43CC}" type="slidenum">
               <a:rPr lang="zh-CN" altLang="en-US" smtClean="0"/>
               <a:t>7</a:t>
             </a:fld>
@@ -1016,6 +1098,179 @@
         </p:txBody>
       </p:sp>
     </p:spTree>
+    <p:extLst>
+      <p:ext uri="{BB962C8B-B14F-4D97-AF65-F5344CB8AC3E}">
+        <p14:creationId xmlns:p14="http://schemas.microsoft.com/office/powerpoint/2010/main" val="1598324723"/>
+      </p:ext>
+    </p:extLst>
+  </p:cSld>
+  <p:clrMapOvr>
+    <a:masterClrMapping/>
+  </p:clrMapOvr>
+</p:notes>
+</file>
+
+<file path=ppt/notesSlides/notesSlide8.xml><?xml version="1.0" encoding="utf-8"?>
+<p:notes xmlns:a="http://schemas.openxmlformats.org/drawingml/2006/main" xmlns:r="http://schemas.openxmlformats.org/officeDocument/2006/relationships" xmlns:p="http://schemas.openxmlformats.org/presentationml/2006/main">
+  <p:cSld>
+    <p:spTree>
+      <p:nvGrpSpPr>
+        <p:cNvPr id="1" name=""/>
+        <p:cNvGrpSpPr/>
+        <p:nvPr/>
+      </p:nvGrpSpPr>
+      <p:grpSpPr>
+        <a:xfrm>
+          <a:off x="0" y="0"/>
+          <a:ext cx="0" cy="0"/>
+          <a:chOff x="0" y="0"/>
+          <a:chExt cx="0" cy="0"/>
+        </a:xfrm>
+      </p:grpSpPr>
+      <p:sp>
+        <p:nvSpPr>
+          <p:cNvPr id="2" name="幻灯片图像占位符 1"/>
+          <p:cNvSpPr>
+            <a:spLocks noGrp="1" noRot="1" noChangeAspect="1"/>
+          </p:cNvSpPr>
+          <p:nvPr>
+            <p:ph type="sldImg"/>
+          </p:nvPr>
+        </p:nvSpPr>
+        <p:spPr/>
+      </p:sp>
+      <p:sp>
+        <p:nvSpPr>
+          <p:cNvPr id="3" name="备注占位符 2"/>
+          <p:cNvSpPr>
+            <a:spLocks noGrp="1"/>
+          </p:cNvSpPr>
+          <p:nvPr>
+            <p:ph type="body" idx="1"/>
+          </p:nvPr>
+        </p:nvSpPr>
+        <p:spPr/>
+        <p:txBody>
+          <a:bodyPr/>
+          <a:lstStyle/>
+          <a:p>
+            <a:endParaRPr lang="zh-CN" altLang="en-US" dirty="0"/>
+          </a:p>
+        </p:txBody>
+      </p:sp>
+      <p:sp>
+        <p:nvSpPr>
+          <p:cNvPr id="4" name="灯片编号占位符 3"/>
+          <p:cNvSpPr>
+            <a:spLocks noGrp="1"/>
+          </p:cNvSpPr>
+          <p:nvPr>
+            <p:ph type="sldNum" sz="quarter" idx="5"/>
+          </p:nvPr>
+        </p:nvSpPr>
+        <p:spPr/>
+        <p:txBody>
+          <a:bodyPr/>
+          <a:lstStyle/>
+          <a:p>
+            <a:fld id="{9963718C-E13D-4500-A87B-3750CAAD43CC}" type="slidenum">
+              <a:rPr lang="zh-CN" altLang="en-US" smtClean="0"/>
+              <a:t>8</a:t>
+            </a:fld>
+            <a:endParaRPr lang="zh-CN" altLang="en-US"/>
+          </a:p>
+        </p:txBody>
+      </p:sp>
+    </p:spTree>
+    <p:extLst>
+      <p:ext uri="{BB962C8B-B14F-4D97-AF65-F5344CB8AC3E}">
+        <p14:creationId xmlns:p14="http://schemas.microsoft.com/office/powerpoint/2010/main" val="3613703167"/>
+      </p:ext>
+    </p:extLst>
+  </p:cSld>
+  <p:clrMapOvr>
+    <a:masterClrMapping/>
+  </p:clrMapOvr>
+</p:notes>
+</file>
+
+<file path=ppt/notesSlides/notesSlide9.xml><?xml version="1.0" encoding="utf-8"?>
+<p:notes xmlns:a="http://schemas.openxmlformats.org/drawingml/2006/main" xmlns:r="http://schemas.openxmlformats.org/officeDocument/2006/relationships" xmlns:p="http://schemas.openxmlformats.org/presentationml/2006/main">
+  <p:cSld>
+    <p:spTree>
+      <p:nvGrpSpPr>
+        <p:cNvPr id="1" name=""/>
+        <p:cNvGrpSpPr/>
+        <p:nvPr/>
+      </p:nvGrpSpPr>
+      <p:grpSpPr>
+        <a:xfrm>
+          <a:off x="0" y="0"/>
+          <a:ext cx="0" cy="0"/>
+          <a:chOff x="0" y="0"/>
+          <a:chExt cx="0" cy="0"/>
+        </a:xfrm>
+      </p:grpSpPr>
+      <p:sp>
+        <p:nvSpPr>
+          <p:cNvPr id="2" name="幻灯片图像占位符 1"/>
+          <p:cNvSpPr>
+            <a:spLocks noGrp="1" noRot="1" noChangeAspect="1"/>
+          </p:cNvSpPr>
+          <p:nvPr>
+            <p:ph type="sldImg"/>
+          </p:nvPr>
+        </p:nvSpPr>
+        <p:spPr/>
+      </p:sp>
+      <p:sp>
+        <p:nvSpPr>
+          <p:cNvPr id="3" name="备注占位符 2"/>
+          <p:cNvSpPr>
+            <a:spLocks noGrp="1"/>
+          </p:cNvSpPr>
+          <p:nvPr>
+            <p:ph type="body" idx="1"/>
+          </p:nvPr>
+        </p:nvSpPr>
+        <p:spPr/>
+        <p:txBody>
+          <a:bodyPr/>
+          <a:lstStyle/>
+          <a:p>
+            <a:endParaRPr lang="zh-CN" altLang="en-US" dirty="0"/>
+          </a:p>
+        </p:txBody>
+      </p:sp>
+      <p:sp>
+        <p:nvSpPr>
+          <p:cNvPr id="4" name="灯片编号占位符 3"/>
+          <p:cNvSpPr>
+            <a:spLocks noGrp="1"/>
+          </p:cNvSpPr>
+          <p:nvPr>
+            <p:ph type="sldNum" sz="quarter" idx="5"/>
+          </p:nvPr>
+        </p:nvSpPr>
+        <p:spPr/>
+        <p:txBody>
+          <a:bodyPr/>
+          <a:lstStyle/>
+          <a:p>
+            <a:fld id="{9963718C-E13D-4500-A87B-3750CAAD43CC}" type="slidenum">
+              <a:rPr lang="zh-CN" altLang="en-US" smtClean="0"/>
+              <a:t>9</a:t>
+            </a:fld>
+            <a:endParaRPr lang="zh-CN" altLang="en-US"/>
+          </a:p>
+        </p:txBody>
+      </p:sp>
+    </p:spTree>
+    <p:extLst>
+      <p:ext uri="{BB962C8B-B14F-4D97-AF65-F5344CB8AC3E}">
+        <p14:creationId xmlns:p14="http://schemas.microsoft.com/office/powerpoint/2010/main" val="3233219796"/>
+      </p:ext>
+    </p:extLst>
   </p:cSld>
   <p:clrMapOvr>
     <a:masterClrMapping/>
@@ -1152,7 +1407,7 @@
           <a:p>
             <a:fld id="{E941AEAA-BB07-4843-834F-558AD1317431}" type="datetimeFigureOut">
               <a:rPr lang="zh-CN" altLang="en-US" smtClean="0"/>
-              <a:t>2025/10/20</a:t>
+              <a:t>2025/10/23</a:t>
             </a:fld>
             <a:endParaRPr lang="zh-CN" altLang="en-US"/>
           </a:p>
@@ -1315,7 +1570,7 @@
           <a:p>
             <a:fld id="{E941AEAA-BB07-4843-834F-558AD1317431}" type="datetimeFigureOut">
               <a:rPr lang="zh-CN" altLang="en-US" smtClean="0"/>
-              <a:t>2025/10/20</a:t>
+              <a:t>2025/10/23</a:t>
             </a:fld>
             <a:endParaRPr lang="zh-CN" altLang="en-US"/>
           </a:p>
@@ -1488,7 +1743,7 @@
           <a:p>
             <a:fld id="{E941AEAA-BB07-4843-834F-558AD1317431}" type="datetimeFigureOut">
               <a:rPr lang="zh-CN" altLang="en-US" smtClean="0"/>
-              <a:t>2025/10/20</a:t>
+              <a:t>2025/10/23</a:t>
             </a:fld>
             <a:endParaRPr lang="zh-CN" altLang="en-US"/>
           </a:p>
@@ -1728,7 +1983,7 @@
           <a:p>
             <a:fld id="{E941AEAA-BB07-4843-834F-558AD1317431}" type="datetimeFigureOut">
               <a:rPr lang="zh-CN" altLang="en-US" smtClean="0"/>
-              <a:t>2025/10/20</a:t>
+              <a:t>2025/10/23</a:t>
             </a:fld>
             <a:endParaRPr lang="zh-CN" altLang="en-US"/>
           </a:p>
@@ -1968,7 +2223,7 @@
           <a:p>
             <a:fld id="{E941AEAA-BB07-4843-834F-558AD1317431}" type="datetimeFigureOut">
               <a:rPr lang="zh-CN" altLang="en-US" smtClean="0"/>
-              <a:t>2025/10/20</a:t>
+              <a:t>2025/10/23</a:t>
             </a:fld>
             <a:endParaRPr lang="zh-CN" altLang="en-US"/>
           </a:p>
@@ -2192,7 +2447,7 @@
           <a:p>
             <a:fld id="{E941AEAA-BB07-4843-834F-558AD1317431}" type="datetimeFigureOut">
               <a:rPr lang="zh-CN" altLang="en-US" smtClean="0"/>
-              <a:t>2025/10/20</a:t>
+              <a:t>2025/10/23</a:t>
             </a:fld>
             <a:endParaRPr lang="zh-CN" altLang="en-US"/>
           </a:p>
@@ -2551,7 +2806,7 @@
           <a:p>
             <a:fld id="{E941AEAA-BB07-4843-834F-558AD1317431}" type="datetimeFigureOut">
               <a:rPr lang="zh-CN" altLang="en-US" smtClean="0"/>
-              <a:t>2025/10/20</a:t>
+              <a:t>2025/10/23</a:t>
             </a:fld>
             <a:endParaRPr lang="zh-CN" altLang="en-US"/>
           </a:p>
@@ -2670,7 +2925,7 @@
           <a:p>
             <a:fld id="{E941AEAA-BB07-4843-834F-558AD1317431}" type="datetimeFigureOut">
               <a:rPr lang="zh-CN" altLang="en-US" smtClean="0"/>
-              <a:t>2025/10/20</a:t>
+              <a:t>2025/10/23</a:t>
             </a:fld>
             <a:endParaRPr lang="zh-CN" altLang="en-US"/>
           </a:p>
@@ -2760,7 +3015,7 @@
           <a:p>
             <a:fld id="{E941AEAA-BB07-4843-834F-558AD1317431}" type="datetimeFigureOut">
               <a:rPr lang="zh-CN" altLang="en-US" smtClean="0"/>
-              <a:t>2025/10/20</a:t>
+              <a:t>2025/10/23</a:t>
             </a:fld>
             <a:endParaRPr lang="zh-CN" altLang="en-US"/>
           </a:p>
@@ -3030,7 +3285,7 @@
           <a:p>
             <a:fld id="{E941AEAA-BB07-4843-834F-558AD1317431}" type="datetimeFigureOut">
               <a:rPr lang="zh-CN" altLang="en-US" smtClean="0"/>
-              <a:t>2025/10/20</a:t>
+              <a:t>2025/10/23</a:t>
             </a:fld>
             <a:endParaRPr lang="zh-CN" altLang="en-US"/>
           </a:p>
@@ -3277,7 +3532,7 @@
           <a:p>
             <a:fld id="{E941AEAA-BB07-4843-834F-558AD1317431}" type="datetimeFigureOut">
               <a:rPr lang="zh-CN" altLang="en-US" smtClean="0"/>
-              <a:t>2025/10/20</a:t>
+              <a:t>2025/10/23</a:t>
             </a:fld>
             <a:endParaRPr lang="zh-CN" altLang="en-US"/>
           </a:p>
@@ -3483,7 +3738,7 @@
           <a:p>
             <a:fld id="{E941AEAA-BB07-4843-834F-558AD1317431}" type="datetimeFigureOut">
               <a:rPr lang="zh-CN" altLang="en-US" smtClean="0"/>
-              <a:t>2025/10/20</a:t>
+              <a:t>2025/10/23</a:t>
             </a:fld>
             <a:endParaRPr lang="zh-CN" altLang="en-US"/>
           </a:p>
@@ -4421,7 +4676,7 @@
                 <a:latin typeface="微软雅黑" panose="020B0503020204020204" pitchFamily="34" charset="-122"/>
                 <a:ea typeface="微软雅黑" panose="020B0503020204020204" pitchFamily="34" charset="-122"/>
               </a:rPr>
-              <a:t>2025/10/20</a:t>
+              <a:t>2025/10/23</a:t>
             </a:fld>
             <a:endParaRPr lang="zh-CN" altLang="en-US" dirty="0">
               <a:solidFill>
@@ -4475,6 +4730,416 @@
           </a:p>
         </p:txBody>
       </p:sp>
+    </p:spTree>
+  </p:cSld>
+  <p:clrMapOvr>
+    <a:masterClrMapping/>
+  </p:clrMapOvr>
+  <mc:AlternateContent xmlns:mc="http://schemas.openxmlformats.org/markup-compatibility/2006" xmlns:p14="http://schemas.microsoft.com/office/powerpoint/2010/main">
+    <mc:Choice Requires="p14">
+      <p:transition p14:dur="0"/>
+    </mc:Choice>
+    <mc:Fallback xmlns="">
+      <p:transition/>
+    </mc:Fallback>
+  </mc:AlternateContent>
+</p:sld>
+</file>
+
+<file path=ppt/slides/slide10.xml><?xml version="1.0" encoding="utf-8"?>
+<p:sld xmlns:a="http://schemas.openxmlformats.org/drawingml/2006/main" xmlns:r="http://schemas.openxmlformats.org/officeDocument/2006/relationships" xmlns:p="http://schemas.openxmlformats.org/presentationml/2006/main">
+  <p:cSld>
+    <p:spTree>
+      <p:nvGrpSpPr>
+        <p:cNvPr id="1" name=""/>
+        <p:cNvGrpSpPr/>
+        <p:nvPr/>
+      </p:nvGrpSpPr>
+      <p:grpSpPr>
+        <a:xfrm>
+          <a:off x="0" y="0"/>
+          <a:ext cx="0" cy="0"/>
+          <a:chOff x="0" y="0"/>
+          <a:chExt cx="0" cy="0"/>
+        </a:xfrm>
+      </p:grpSpPr>
+      <p:sp>
+        <p:nvSpPr>
+          <p:cNvPr id="13" name="直角三角形 12"/>
+          <p:cNvSpPr/>
+          <p:nvPr/>
+        </p:nvSpPr>
+        <p:spPr>
+          <a:xfrm rot="16200000">
+            <a:off x="9440862" y="4106862"/>
+            <a:ext cx="2751138" cy="2751138"/>
+          </a:xfrm>
+          <a:prstGeom prst="rtTriangle">
+            <a:avLst/>
+          </a:prstGeom>
+          <a:solidFill>
+            <a:srgbClr val="6E0F6C"/>
+          </a:solidFill>
+          <a:ln>
+            <a:noFill/>
+          </a:ln>
+        </p:spPr>
+        <p:style>
+          <a:lnRef idx="2">
+            <a:schemeClr val="accent1">
+              <a:shade val="50000"/>
+            </a:schemeClr>
+          </a:lnRef>
+          <a:fillRef idx="1">
+            <a:schemeClr val="accent1"/>
+          </a:fillRef>
+          <a:effectRef idx="0">
+            <a:schemeClr val="accent1"/>
+          </a:effectRef>
+          <a:fontRef idx="minor">
+            <a:schemeClr val="lt1"/>
+          </a:fontRef>
+        </p:style>
+        <p:txBody>
+          <a:bodyPr rtlCol="0" anchor="ctr"/>
+          <a:lstStyle/>
+          <a:p>
+            <a:pPr algn="ctr"/>
+            <a:endParaRPr lang="zh-CN" altLang="en-US"/>
+          </a:p>
+        </p:txBody>
+      </p:sp>
+      <p:sp>
+        <p:nvSpPr>
+          <p:cNvPr id="11" name="直角三角形 10"/>
+          <p:cNvSpPr/>
+          <p:nvPr/>
+        </p:nvSpPr>
+        <p:spPr>
+          <a:xfrm rot="5400000">
+            <a:off x="0" y="0"/>
+            <a:ext cx="2751138" cy="2751138"/>
+          </a:xfrm>
+          <a:prstGeom prst="rtTriangle">
+            <a:avLst/>
+          </a:prstGeom>
+          <a:solidFill>
+            <a:srgbClr val="6E0F6C"/>
+          </a:solidFill>
+          <a:ln>
+            <a:noFill/>
+          </a:ln>
+        </p:spPr>
+        <p:style>
+          <a:lnRef idx="2">
+            <a:schemeClr val="accent1">
+              <a:shade val="50000"/>
+            </a:schemeClr>
+          </a:lnRef>
+          <a:fillRef idx="1">
+            <a:schemeClr val="accent1"/>
+          </a:fillRef>
+          <a:effectRef idx="0">
+            <a:schemeClr val="accent1"/>
+          </a:effectRef>
+          <a:fontRef idx="minor">
+            <a:schemeClr val="lt1"/>
+          </a:fontRef>
+        </p:style>
+        <p:txBody>
+          <a:bodyPr rtlCol="0" anchor="ctr"/>
+          <a:lstStyle/>
+          <a:p>
+            <a:pPr algn="ctr"/>
+            <a:endParaRPr lang="zh-CN" altLang="en-US"/>
+          </a:p>
+        </p:txBody>
+      </p:sp>
+      <p:grpSp>
+        <p:nvGrpSpPr>
+          <p:cNvPr id="55" name="组合 54"/>
+          <p:cNvGrpSpPr/>
+          <p:nvPr/>
+        </p:nvGrpSpPr>
+        <p:grpSpPr>
+          <a:xfrm>
+            <a:off x="198816" y="1041763"/>
+            <a:ext cx="11775984" cy="5300848"/>
+            <a:chOff x="198816" y="1041763"/>
+            <a:chExt cx="11775984" cy="5300848"/>
+          </a:xfrm>
+        </p:grpSpPr>
+        <p:pic>
+          <p:nvPicPr>
+            <p:cNvPr id="56" name="图片 55"/>
+            <p:cNvPicPr>
+              <a:picLocks noChangeAspect="1"/>
+            </p:cNvPicPr>
+            <p:nvPr/>
+          </p:nvPicPr>
+          <p:blipFill rotWithShape="1">
+            <a:blip r:embed="rId3">
+              <a:extLst>
+                <a:ext uri="{28A0092B-C50C-407E-A947-70E740481C1C}">
+                  <a14:useLocalDpi xmlns:a14="http://schemas.microsoft.com/office/drawing/2010/main" val="0"/>
+                </a:ext>
+              </a:extLst>
+            </a:blip>
+            <a:srcRect t="32799"/>
+            <a:stretch>
+              <a:fillRect/>
+            </a:stretch>
+          </p:blipFill>
+          <p:spPr>
+            <a:xfrm>
+              <a:off x="203412" y="1041763"/>
+              <a:ext cx="11766792" cy="5300848"/>
+            </a:xfrm>
+            <a:prstGeom prst="rect">
+              <a:avLst/>
+            </a:prstGeom>
+            <a:solidFill>
+              <a:schemeClr val="bg2"/>
+            </a:solidFill>
+          </p:spPr>
+        </p:pic>
+        <p:sp>
+          <p:nvSpPr>
+            <p:cNvPr id="57" name="矩形 56"/>
+            <p:cNvSpPr/>
+            <p:nvPr/>
+          </p:nvSpPr>
+          <p:spPr>
+            <a:xfrm>
+              <a:off x="198816" y="1041763"/>
+              <a:ext cx="11775984" cy="5300848"/>
+            </a:xfrm>
+            <a:prstGeom prst="rect">
+              <a:avLst/>
+            </a:prstGeom>
+            <a:solidFill>
+              <a:schemeClr val="bg1">
+                <a:alpha val="92000"/>
+              </a:schemeClr>
+            </a:solidFill>
+            <a:ln>
+              <a:noFill/>
+            </a:ln>
+          </p:spPr>
+          <p:style>
+            <a:lnRef idx="2">
+              <a:schemeClr val="accent1">
+                <a:shade val="50000"/>
+              </a:schemeClr>
+            </a:lnRef>
+            <a:fillRef idx="1">
+              <a:schemeClr val="accent1"/>
+            </a:fillRef>
+            <a:effectRef idx="0">
+              <a:schemeClr val="accent1"/>
+            </a:effectRef>
+            <a:fontRef idx="minor">
+              <a:schemeClr val="lt1"/>
+            </a:fontRef>
+          </p:style>
+          <p:txBody>
+            <a:bodyPr rtlCol="0" anchor="ctr"/>
+            <a:lstStyle/>
+            <a:p>
+              <a:pPr algn="ctr"/>
+              <a:endParaRPr lang="zh-CN" altLang="en-US" dirty="0"/>
+            </a:p>
+          </p:txBody>
+        </p:sp>
+      </p:grpSp>
+      <p:sp>
+        <p:nvSpPr>
+          <p:cNvPr id="24" name="文本框 23"/>
+          <p:cNvSpPr txBox="1"/>
+          <p:nvPr/>
+        </p:nvSpPr>
+        <p:spPr>
+          <a:xfrm>
+            <a:off x="1931351" y="2243306"/>
+            <a:ext cx="8329297" cy="1015663"/>
+          </a:xfrm>
+          <a:prstGeom prst="rect">
+            <a:avLst/>
+          </a:prstGeom>
+          <a:noFill/>
+        </p:spPr>
+        <p:txBody>
+          <a:bodyPr wrap="square" rtlCol="0">
+            <a:spAutoFit/>
+          </a:bodyPr>
+          <a:lstStyle/>
+          <a:p>
+            <a:pPr algn="ctr"/>
+            <a:r>
+              <a:rPr lang="en-US" altLang="zh-CN" sz="6000" spc="300" dirty="0">
+                <a:solidFill>
+                  <a:srgbClr val="6E0F6C"/>
+                </a:solidFill>
+                <a:latin typeface="Times New Roman" panose="02020603050405020304" pitchFamily="18" charset="0"/>
+                <a:cs typeface="Times New Roman" panose="02020603050405020304" pitchFamily="18" charset="0"/>
+                <a:sym typeface="+mn-ea"/>
+              </a:rPr>
+              <a:t>Thanks</a:t>
+            </a:r>
+            <a:endParaRPr lang="zh-CN" altLang="en-US" sz="6000" spc="300" dirty="0">
+              <a:solidFill>
+                <a:srgbClr val="6E0F6C"/>
+              </a:solidFill>
+              <a:latin typeface="Times New Roman" panose="02020603050405020304" pitchFamily="18" charset="0"/>
+              <a:cs typeface="Times New Roman" panose="02020603050405020304" pitchFamily="18" charset="0"/>
+            </a:endParaRPr>
+          </a:p>
+        </p:txBody>
+      </p:sp>
+      <p:grpSp>
+        <p:nvGrpSpPr>
+          <p:cNvPr id="49" name="组合 48"/>
+          <p:cNvGrpSpPr/>
+          <p:nvPr/>
+        </p:nvGrpSpPr>
+        <p:grpSpPr>
+          <a:xfrm>
+            <a:off x="3304526" y="54442"/>
+            <a:ext cx="5582948" cy="425957"/>
+            <a:chOff x="783216" y="3993642"/>
+            <a:chExt cx="7005756" cy="622480"/>
+          </a:xfrm>
+        </p:grpSpPr>
+        <p:pic>
+          <p:nvPicPr>
+            <p:cNvPr id="50" name="图片 49"/>
+            <p:cNvPicPr>
+              <a:picLocks noChangeAspect="1"/>
+            </p:cNvPicPr>
+            <p:nvPr/>
+          </p:nvPicPr>
+          <p:blipFill>
+            <a:blip r:embed="rId4"/>
+            <a:stretch>
+              <a:fillRect/>
+            </a:stretch>
+          </p:blipFill>
+          <p:spPr>
+            <a:xfrm>
+              <a:off x="783216" y="3993642"/>
+              <a:ext cx="3331584" cy="622480"/>
+            </a:xfrm>
+            <a:prstGeom prst="rect">
+              <a:avLst/>
+            </a:prstGeom>
+            <a:solidFill>
+              <a:schemeClr val="bg1"/>
+            </a:solidFill>
+          </p:spPr>
+        </p:pic>
+        <p:pic>
+          <p:nvPicPr>
+            <p:cNvPr id="51" name="图片 50"/>
+            <p:cNvPicPr>
+              <a:picLocks noChangeAspect="1"/>
+            </p:cNvPicPr>
+            <p:nvPr/>
+          </p:nvPicPr>
+          <p:blipFill>
+            <a:blip r:embed="rId5"/>
+            <a:stretch>
+              <a:fillRect/>
+            </a:stretch>
+          </p:blipFill>
+          <p:spPr>
+            <a:xfrm>
+              <a:off x="4274559" y="3993642"/>
+              <a:ext cx="3514413" cy="622479"/>
+            </a:xfrm>
+            <a:prstGeom prst="rect">
+              <a:avLst/>
+            </a:prstGeom>
+          </p:spPr>
+        </p:pic>
+      </p:grpSp>
+      <p:sp>
+        <p:nvSpPr>
+          <p:cNvPr id="52" name="矩形 51"/>
+          <p:cNvSpPr/>
+          <p:nvPr/>
+        </p:nvSpPr>
+        <p:spPr>
+          <a:xfrm>
+            <a:off x="3323123" y="54442"/>
+            <a:ext cx="5405241" cy="444322"/>
+          </a:xfrm>
+          <a:prstGeom prst="rect">
+            <a:avLst/>
+          </a:prstGeom>
+          <a:solidFill>
+            <a:schemeClr val="bg1">
+              <a:alpha val="66000"/>
+            </a:schemeClr>
+          </a:solidFill>
+          <a:ln>
+            <a:noFill/>
+          </a:ln>
+        </p:spPr>
+        <p:style>
+          <a:lnRef idx="2">
+            <a:schemeClr val="accent1">
+              <a:shade val="50000"/>
+            </a:schemeClr>
+          </a:lnRef>
+          <a:fillRef idx="1">
+            <a:schemeClr val="accent1"/>
+          </a:fillRef>
+          <a:effectRef idx="0">
+            <a:schemeClr val="accent1"/>
+          </a:effectRef>
+          <a:fontRef idx="minor">
+            <a:schemeClr val="lt1"/>
+          </a:fontRef>
+        </p:style>
+        <p:txBody>
+          <a:bodyPr rtlCol="0" anchor="ctr"/>
+          <a:lstStyle/>
+          <a:p>
+            <a:pPr algn="ctr"/>
+            <a:endParaRPr lang="zh-CN" altLang="en-US"/>
+          </a:p>
+        </p:txBody>
+      </p:sp>
+      <p:pic>
+        <p:nvPicPr>
+          <p:cNvPr id="54" name="内容占位符 4"/>
+          <p:cNvPicPr>
+            <a:picLocks noChangeAspect="1"/>
+          </p:cNvPicPr>
+          <p:nvPr/>
+        </p:nvPicPr>
+        <p:blipFill>
+          <a:blip r:embed="rId6" cstate="print">
+            <a:extLst>
+              <a:ext uri="{28A0092B-C50C-407E-A947-70E740481C1C}">
+                <a14:useLocalDpi xmlns:a14="http://schemas.microsoft.com/office/drawing/2010/main" val="0"/>
+              </a:ext>
+            </a:extLst>
+          </a:blip>
+          <a:stretch>
+            <a:fillRect/>
+          </a:stretch>
+        </p:blipFill>
+        <p:spPr>
+          <a:xfrm>
+            <a:off x="10106626" y="56868"/>
+            <a:ext cx="1989778" cy="632774"/>
+          </a:xfrm>
+          <a:prstGeom prst="rect">
+            <a:avLst/>
+          </a:prstGeom>
+        </p:spPr>
+      </p:pic>
     </p:spTree>
   </p:cSld>
   <p:clrMapOvr>
@@ -6944,14 +7609,14 @@
               <a:buChar char="u"/>
             </a:pPr>
             <a:r>
-              <a:rPr lang="en-US" altLang="zh-CN" sz="3200" dirty="0" smtClean="0"/>
+              <a:rPr lang="en-US" altLang="zh-CN" sz="3200" b="1" dirty="0" smtClean="0"/>
               <a:t>KV</a:t>
             </a:r>
             <a:r>
-              <a:rPr lang="zh-CN" altLang="en-US" sz="3200" dirty="0" smtClean="0"/>
+              <a:rPr lang="zh-CN" altLang="en-US" sz="3200" b="1" dirty="0" smtClean="0"/>
               <a:t>缓存的容量</a:t>
             </a:r>
-            <a:endParaRPr lang="en-US" altLang="zh-CN" sz="3200" dirty="0" smtClean="0"/>
+            <a:endParaRPr lang="en-US" altLang="zh-CN" sz="3200" b="1" dirty="0" smtClean="0"/>
           </a:p>
           <a:p>
             <a:pPr>
@@ -6988,14 +7653,14 @@
               <a:buChar char="u"/>
             </a:pPr>
             <a:r>
-              <a:rPr lang="zh-CN" altLang="en-US" sz="3200" dirty="0"/>
+              <a:rPr lang="zh-CN" altLang="en-US" sz="3200" b="1" dirty="0"/>
               <a:t>复</a:t>
             </a:r>
             <a:r>
-              <a:rPr lang="zh-CN" altLang="en-US" sz="3200" dirty="0" smtClean="0"/>
+              <a:rPr lang="zh-CN" altLang="en-US" sz="3200" b="1" dirty="0" smtClean="0"/>
               <a:t>杂的解码算法</a:t>
             </a:r>
-            <a:endParaRPr lang="en-US" altLang="zh-CN" sz="3200" dirty="0" smtClean="0"/>
+            <a:endParaRPr lang="en-US" altLang="zh-CN" sz="3200" b="1" dirty="0" smtClean="0"/>
           </a:p>
           <a:p>
             <a:pPr>
@@ -7028,10 +7693,10 @@
               <a:buChar char="u"/>
             </a:pPr>
             <a:r>
-              <a:rPr lang="zh-CN" altLang="en-US" sz="3200" dirty="0" smtClean="0"/>
+              <a:rPr lang="zh-CN" altLang="en-US" sz="3200" b="1" dirty="0" smtClean="0"/>
               <a:t>输入、输出长度的不确定性</a:t>
             </a:r>
-            <a:endParaRPr lang="en-US" altLang="zh-CN" sz="3200" dirty="0" smtClean="0"/>
+            <a:endParaRPr lang="en-US" altLang="zh-CN" sz="3200" b="1" dirty="0" smtClean="0"/>
           </a:p>
           <a:p>
             <a:pPr>
@@ -7056,15 +7721,7 @@
             </a:r>
             <a:r>
               <a:rPr lang="zh-CN" altLang="en-US" sz="2400" dirty="0"/>
-              <a:t>要求内存管理系统能够适应广泛的提示</a:t>
-            </a:r>
-            <a:r>
-              <a:rPr lang="zh-CN" altLang="en-US" sz="2400" dirty="0"/>
-              <a:t>长度</a:t>
-            </a:r>
-            <a:r>
-              <a:rPr lang="zh-CN" altLang="en-US" sz="2400" dirty="0"/>
-              <a:t>范围。</a:t>
+              <a:t>要求内存管理系统能够适应广泛的提示长度范围。</a:t>
             </a:r>
             <a:endParaRPr lang="en-US" altLang="zh-CN" sz="2400" dirty="0"/>
           </a:p>
@@ -7764,7 +8421,11 @@
           <a:lstStyle/>
           <a:p>
             <a:r>
-              <a:rPr lang="zh-CN" altLang="en-US" dirty="0"/>
+              <a:rPr lang="zh-CN" altLang="en-US" b="1" dirty="0">
+                <a:solidFill>
+                  <a:srgbClr val="FF0000"/>
+                </a:solidFill>
+              </a:rPr>
               <a:t>块级注意力</a:t>
             </a:r>
           </a:p>
@@ -7792,7 +8453,11 @@
           <a:lstStyle/>
           <a:p>
             <a:r>
-              <a:rPr lang="zh-CN" altLang="en-US" dirty="0"/>
+              <a:rPr lang="zh-CN" altLang="en-US" b="1" dirty="0">
+                <a:solidFill>
+                  <a:srgbClr val="FF0000"/>
+                </a:solidFill>
+              </a:rPr>
               <a:t>聚合所有块的加权值</a:t>
             </a:r>
           </a:p>
@@ -7907,21 +8572,285 @@
       </p:grpSpPr>
       <p:sp>
         <p:nvSpPr>
-          <p:cNvPr id="13" name="直角三角形 12"/>
+          <p:cNvPr id="2" name="TextBox 6"/>
+          <p:cNvSpPr>
+            <a:spLocks noChangeArrowheads="1"/>
+          </p:cNvSpPr>
+          <p:nvPr/>
+        </p:nvSpPr>
+        <p:spPr bwMode="auto">
+          <a:xfrm>
+            <a:off x="2423693" y="260912"/>
+            <a:ext cx="9407235" cy="430530"/>
+          </a:xfrm>
+          <a:prstGeom prst="rect">
+            <a:avLst/>
+          </a:prstGeom>
+          <a:noFill/>
+          <a:ln>
+            <a:noFill/>
+          </a:ln>
+          <a:extLst>
+            <a:ext uri="{909E8E84-426E-40DD-AFC4-6F175D3DCCD1}">
+              <a14:hiddenFill xmlns:a14="http://schemas.microsoft.com/office/drawing/2010/main">
+                <a:solidFill>
+                  <a:srgbClr val="FFFFFF"/>
+                </a:solidFill>
+              </a14:hiddenFill>
+            </a:ext>
+            <a:ext uri="{91240B29-F687-4F45-9708-019B960494DF}">
+              <a14:hiddenLine xmlns:a14="http://schemas.microsoft.com/office/drawing/2010/main" w="9525">
+                <a:solidFill>
+                  <a:srgbClr val="000000"/>
+                </a:solidFill>
+                <a:miter lim="800000"/>
+                <a:headEnd/>
+                <a:tailEnd/>
+              </a14:hiddenLine>
+            </a:ext>
+          </a:extLst>
+        </p:spPr>
+        <p:txBody>
+          <a:bodyPr wrap="square" lIns="0" tIns="0" rIns="0" bIns="0" anchor="ctr">
+            <a:spAutoFit/>
+          </a:bodyPr>
+          <a:lstStyle>
+            <a:lvl1pPr>
+              <a:defRPr>
+                <a:solidFill>
+                  <a:schemeClr val="tx1"/>
+                </a:solidFill>
+                <a:latin typeface="Arial" panose="020B0604020202020204" pitchFamily="34" charset="0"/>
+                <a:ea typeface="宋体" panose="02010600030101010101" pitchFamily="2" charset="-122"/>
+              </a:defRPr>
+            </a:lvl1pPr>
+            <a:lvl2pPr marL="742950" indent="-285750">
+              <a:defRPr>
+                <a:solidFill>
+                  <a:schemeClr val="tx1"/>
+                </a:solidFill>
+                <a:latin typeface="Arial" panose="020B0604020202020204" pitchFamily="34" charset="0"/>
+                <a:ea typeface="宋体" panose="02010600030101010101" pitchFamily="2" charset="-122"/>
+              </a:defRPr>
+            </a:lvl2pPr>
+            <a:lvl3pPr marL="1143000" indent="-228600">
+              <a:defRPr>
+                <a:solidFill>
+                  <a:schemeClr val="tx1"/>
+                </a:solidFill>
+                <a:latin typeface="Arial" panose="020B0604020202020204" pitchFamily="34" charset="0"/>
+                <a:ea typeface="宋体" panose="02010600030101010101" pitchFamily="2" charset="-122"/>
+              </a:defRPr>
+            </a:lvl3pPr>
+            <a:lvl4pPr marL="1600200" indent="-228600">
+              <a:defRPr>
+                <a:solidFill>
+                  <a:schemeClr val="tx1"/>
+                </a:solidFill>
+                <a:latin typeface="Arial" panose="020B0604020202020204" pitchFamily="34" charset="0"/>
+                <a:ea typeface="宋体" panose="02010600030101010101" pitchFamily="2" charset="-122"/>
+              </a:defRPr>
+            </a:lvl4pPr>
+            <a:lvl5pPr marL="2057400" indent="-228600">
+              <a:defRPr>
+                <a:solidFill>
+                  <a:schemeClr val="tx1"/>
+                </a:solidFill>
+                <a:latin typeface="Arial" panose="020B0604020202020204" pitchFamily="34" charset="0"/>
+                <a:ea typeface="宋体" panose="02010600030101010101" pitchFamily="2" charset="-122"/>
+              </a:defRPr>
+            </a:lvl5pPr>
+            <a:lvl6pPr marL="2514600" indent="-228600" eaLnBrk="0" fontAlgn="base" hangingPunct="0">
+              <a:spcBef>
+                <a:spcPct val="0"/>
+              </a:spcBef>
+              <a:spcAft>
+                <a:spcPct val="0"/>
+              </a:spcAft>
+              <a:defRPr>
+                <a:solidFill>
+                  <a:schemeClr val="tx1"/>
+                </a:solidFill>
+                <a:latin typeface="Arial" panose="020B0604020202020204" pitchFamily="34" charset="0"/>
+                <a:ea typeface="宋体" panose="02010600030101010101" pitchFamily="2" charset="-122"/>
+              </a:defRPr>
+            </a:lvl6pPr>
+            <a:lvl7pPr marL="2971800" indent="-228600" eaLnBrk="0" fontAlgn="base" hangingPunct="0">
+              <a:spcBef>
+                <a:spcPct val="0"/>
+              </a:spcBef>
+              <a:spcAft>
+                <a:spcPct val="0"/>
+              </a:spcAft>
+              <a:defRPr>
+                <a:solidFill>
+                  <a:schemeClr val="tx1"/>
+                </a:solidFill>
+                <a:latin typeface="Arial" panose="020B0604020202020204" pitchFamily="34" charset="0"/>
+                <a:ea typeface="宋体" panose="02010600030101010101" pitchFamily="2" charset="-122"/>
+              </a:defRPr>
+            </a:lvl7pPr>
+            <a:lvl8pPr marL="3429000" indent="-228600" eaLnBrk="0" fontAlgn="base" hangingPunct="0">
+              <a:spcBef>
+                <a:spcPct val="0"/>
+              </a:spcBef>
+              <a:spcAft>
+                <a:spcPct val="0"/>
+              </a:spcAft>
+              <a:defRPr>
+                <a:solidFill>
+                  <a:schemeClr val="tx1"/>
+                </a:solidFill>
+                <a:latin typeface="Arial" panose="020B0604020202020204" pitchFamily="34" charset="0"/>
+                <a:ea typeface="宋体" panose="02010600030101010101" pitchFamily="2" charset="-122"/>
+              </a:defRPr>
+            </a:lvl8pPr>
+            <a:lvl9pPr marL="3886200" indent="-228600" eaLnBrk="0" fontAlgn="base" hangingPunct="0">
+              <a:spcBef>
+                <a:spcPct val="0"/>
+              </a:spcBef>
+              <a:spcAft>
+                <a:spcPct val="0"/>
+              </a:spcAft>
+              <a:defRPr>
+                <a:solidFill>
+                  <a:schemeClr val="tx1"/>
+                </a:solidFill>
+                <a:latin typeface="Arial" panose="020B0604020202020204" pitchFamily="34" charset="0"/>
+                <a:ea typeface="宋体" panose="02010600030101010101" pitchFamily="2" charset="-122"/>
+              </a:defRPr>
+            </a:lvl9pPr>
+          </a:lstStyle>
+          <a:p>
+            <a:pPr marL="0" marR="0" lvl="0" indent="0" algn="l" defTabSz="914400" rtl="0" eaLnBrk="1" fontAlgn="base" latinLnBrk="0" hangingPunct="1">
+              <a:lnSpc>
+                <a:spcPct val="100000"/>
+              </a:lnSpc>
+              <a:spcBef>
+                <a:spcPct val="0"/>
+              </a:spcBef>
+              <a:spcAft>
+                <a:spcPct val="0"/>
+              </a:spcAft>
+              <a:buClrTx/>
+              <a:buSzTx/>
+              <a:buFontTx/>
+              <a:buNone/>
+              <a:defRPr/>
+            </a:pPr>
+            <a:r>
+              <a:rPr lang="zh-CN" altLang="en-US" sz="2800" b="1" noProof="0" dirty="0">
+                <a:solidFill>
+                  <a:srgbClr val="62055D"/>
+                </a:solidFill>
+                <a:latin typeface="Times New Roman" panose="02020603050405020304" pitchFamily="18" charset="0"/>
+                <a:ea typeface="微软雅黑" panose="020B0503020204020204" pitchFamily="34" charset="-122"/>
+                <a:cs typeface="Times New Roman" panose="02020603050405020304" pitchFamily="18" charset="0"/>
+                <a:sym typeface="Impact" panose="020B0806030902050204" pitchFamily="34" charset="0"/>
+              </a:rPr>
+              <a:t>方</a:t>
+            </a:r>
+            <a:r>
+              <a:rPr lang="zh-CN" altLang="en-US" sz="2800" b="1" noProof="0" dirty="0" smtClean="0">
+                <a:solidFill>
+                  <a:srgbClr val="62055D"/>
+                </a:solidFill>
+                <a:latin typeface="Times New Roman" panose="02020603050405020304" pitchFamily="18" charset="0"/>
+                <a:ea typeface="微软雅黑" panose="020B0503020204020204" pitchFamily="34" charset="-122"/>
+                <a:cs typeface="Times New Roman" panose="02020603050405020304" pitchFamily="18" charset="0"/>
+                <a:sym typeface="Impact" panose="020B0806030902050204" pitchFamily="34" charset="0"/>
+              </a:rPr>
+              <a:t>法设计</a:t>
+            </a:r>
+            <a:endParaRPr kumimoji="0" lang="zh-CN" altLang="en-US" sz="2800" b="1" i="0" u="none" strike="noStrike" kern="1200" cap="none" spc="0" normalizeH="0" baseline="0" noProof="0" dirty="0">
+              <a:ln>
+                <a:noFill/>
+              </a:ln>
+              <a:solidFill>
+                <a:srgbClr val="62055D"/>
+              </a:solidFill>
+              <a:effectLst/>
+              <a:uLnTx/>
+              <a:uFillTx/>
+              <a:latin typeface="Times New Roman" panose="02020603050405020304" pitchFamily="18" charset="0"/>
+              <a:ea typeface="微软雅黑" panose="020B0503020204020204" pitchFamily="34" charset="-122"/>
+              <a:cs typeface="Times New Roman" panose="02020603050405020304" pitchFamily="18" charset="0"/>
+              <a:sym typeface="Impact" panose="020B0806030902050204" pitchFamily="34" charset="0"/>
+            </a:endParaRPr>
+          </a:p>
+        </p:txBody>
+      </p:sp>
+      <p:pic>
+        <p:nvPicPr>
+          <p:cNvPr id="4" name="内容占位符 4"/>
+          <p:cNvPicPr>
+            <a:picLocks noChangeAspect="1"/>
+          </p:cNvPicPr>
+          <p:nvPr/>
+        </p:nvPicPr>
+        <p:blipFill>
+          <a:blip r:embed="rId3" cstate="print">
+            <a:extLst>
+              <a:ext uri="{28A0092B-C50C-407E-A947-70E740481C1C}">
+                <a14:useLocalDpi xmlns:a14="http://schemas.microsoft.com/office/drawing/2010/main" val="0"/>
+              </a:ext>
+            </a:extLst>
+          </a:blip>
+          <a:stretch>
+            <a:fillRect/>
+          </a:stretch>
+        </p:blipFill>
+        <p:spPr>
+          <a:xfrm>
+            <a:off x="129540" y="159790"/>
+            <a:ext cx="1989778" cy="632774"/>
+          </a:xfrm>
+          <a:prstGeom prst="rect">
+            <a:avLst/>
+          </a:prstGeom>
+        </p:spPr>
+      </p:pic>
+      <p:sp>
+        <p:nvSpPr>
+          <p:cNvPr id="6" name="矩形 5"/>
           <p:cNvSpPr/>
           <p:nvPr/>
         </p:nvSpPr>
         <p:spPr>
-          <a:xfrm rot="16200000">
-            <a:off x="9440862" y="4106862"/>
-            <a:ext cx="2751138" cy="2751138"/>
+          <a:xfrm>
+            <a:off x="2423694" y="697914"/>
+            <a:ext cx="6745244" cy="71852"/>
           </a:xfrm>
-          <a:prstGeom prst="rtTriangle">
+          <a:prstGeom prst="rect">
             <a:avLst/>
           </a:prstGeom>
-          <a:solidFill>
-            <a:srgbClr val="6E0F6C"/>
-          </a:solidFill>
+          <a:gradFill flip="none" rotWithShape="1">
+            <a:gsLst>
+              <a:gs pos="0">
+                <a:srgbClr val="63065F">
+                  <a:shade val="30000"/>
+                  <a:satMod val="115000"/>
+                  <a:alpha val="60000"/>
+                  <a:lumMod val="100000"/>
+                </a:srgbClr>
+              </a:gs>
+              <a:gs pos="52000">
+                <a:srgbClr val="63065F">
+                  <a:shade val="67500"/>
+                  <a:satMod val="115000"/>
+                  <a:alpha val="70000"/>
+                </a:srgbClr>
+              </a:gs>
+              <a:gs pos="100000">
+                <a:srgbClr val="63065F">
+                  <a:shade val="100000"/>
+                  <a:satMod val="115000"/>
+                </a:srgbClr>
+              </a:gs>
+            </a:gsLst>
+            <a:lin ang="5400000" scaled="1"/>
+            <a:tileRect/>
+          </a:gradFill>
           <a:ln>
             <a:noFill/>
           </a:ln>
@@ -7953,21 +8882,800 @@
       </p:sp>
       <p:sp>
         <p:nvSpPr>
-          <p:cNvPr id="11" name="直角三角形 10"/>
+          <p:cNvPr id="5" name="矩形 4"/>
           <p:cNvSpPr/>
           <p:nvPr/>
         </p:nvSpPr>
         <p:spPr>
-          <a:xfrm rot="5400000">
-            <a:off x="0" y="0"/>
-            <a:ext cx="2751138" cy="2751138"/>
+          <a:xfrm>
+            <a:off x="301898" y="1492444"/>
+            <a:ext cx="11529030" cy="1338828"/>
           </a:xfrm>
-          <a:prstGeom prst="rtTriangle">
+          <a:prstGeom prst="rect">
             <a:avLst/>
           </a:prstGeom>
-          <a:solidFill>
-            <a:srgbClr val="6E0F6C"/>
-          </a:solidFill>
+        </p:spPr>
+        <p:txBody>
+          <a:bodyPr wrap="square">
+            <a:spAutoFit/>
+          </a:bodyPr>
+          <a:lstStyle/>
+          <a:p>
+            <a:pPr>
+              <a:lnSpc>
+                <a:spcPct val="150000"/>
+              </a:lnSpc>
+              <a:buClr>
+                <a:schemeClr val="accent1"/>
+              </a:buClr>
+            </a:pPr>
+            <a:r>
+              <a:rPr lang="en-US" altLang="zh-CN" dirty="0" smtClean="0">
+                <a:latin typeface="Times New Roman" panose="02020603050405020304" pitchFamily="18" charset="0"/>
+                <a:ea typeface="微软雅黑" panose="020B0503020204020204" pitchFamily="34" charset="-122"/>
+                <a:cs typeface="Times New Roman" panose="02020603050405020304" pitchFamily="18" charset="0"/>
+              </a:rPr>
+              <a:t>vLLM </a:t>
+            </a:r>
+            <a:r>
+              <a:rPr lang="zh-CN" altLang="en-US" dirty="0">
+                <a:latin typeface="Times New Roman" panose="02020603050405020304" pitchFamily="18" charset="0"/>
+                <a:ea typeface="微软雅黑" panose="020B0503020204020204" pitchFamily="34" charset="-122"/>
+              </a:rPr>
+              <a:t>内存管理器的核心思想借鉴了操作系统中的虚拟内</a:t>
+            </a:r>
+            <a:r>
+              <a:rPr lang="zh-CN" altLang="en-US" dirty="0" smtClean="0">
+                <a:latin typeface="Times New Roman" panose="02020603050405020304" pitchFamily="18" charset="0"/>
+                <a:ea typeface="微软雅黑" panose="020B0503020204020204" pitchFamily="34" charset="-122"/>
+              </a:rPr>
+              <a:t>存。</a:t>
+            </a:r>
+            <a:r>
+              <a:rPr lang="zh-CN" altLang="en-US" dirty="0">
+                <a:latin typeface="Times New Roman" panose="02020603050405020304" pitchFamily="18" charset="0"/>
+                <a:ea typeface="微软雅黑" panose="020B0503020204020204" pitchFamily="34" charset="-122"/>
+              </a:rPr>
+              <a:t>操作系统将内存划分为固定大小的页面，并将用户程序的逻辑页面映射到物理页面上。连续的逻辑页面可以对应到非连续的物理内存页，这使得用户程序可以像访问连续内存一样访问内存。</a:t>
+            </a:r>
+            <a:endParaRPr lang="en-US" altLang="zh-CN" sz="2000" dirty="0">
+              <a:latin typeface="Times New Roman" panose="02020603050405020304" pitchFamily="18" charset="0"/>
+              <a:ea typeface="微软雅黑" panose="020B0503020204020204" pitchFamily="34" charset="-122"/>
+            </a:endParaRPr>
+          </a:p>
+        </p:txBody>
+      </p:sp>
+      <p:sp>
+        <p:nvSpPr>
+          <p:cNvPr id="7" name="矩形 6"/>
+          <p:cNvSpPr/>
+          <p:nvPr/>
+        </p:nvSpPr>
+        <p:spPr>
+          <a:xfrm>
+            <a:off x="301898" y="924576"/>
+            <a:ext cx="2626040" cy="523220"/>
+          </a:xfrm>
+          <a:prstGeom prst="rect">
+            <a:avLst/>
+          </a:prstGeom>
+        </p:spPr>
+        <p:txBody>
+          <a:bodyPr wrap="none">
+            <a:spAutoFit/>
+          </a:bodyPr>
+          <a:lstStyle/>
+          <a:p>
+            <a:r>
+              <a:rPr lang="en-US" altLang="zh-CN" sz="2800" b="1" dirty="0" smtClean="0">
+                <a:latin typeface="Times New Roman" panose="02020603050405020304" pitchFamily="18" charset="0"/>
+                <a:ea typeface="微软雅黑" panose="020B0503020204020204" pitchFamily="34" charset="-122"/>
+              </a:rPr>
+              <a:t>Cache </a:t>
+            </a:r>
+            <a:r>
+              <a:rPr lang="en-US" altLang="zh-CN" sz="2800" b="1" dirty="0">
+                <a:latin typeface="Times New Roman" panose="02020603050405020304" pitchFamily="18" charset="0"/>
+                <a:ea typeface="微软雅黑" panose="020B0503020204020204" pitchFamily="34" charset="-122"/>
+              </a:rPr>
+              <a:t>Manager</a:t>
+            </a:r>
+            <a:endParaRPr lang="zh-CN" altLang="en-US" sz="2800" b="1" dirty="0">
+              <a:latin typeface="Times New Roman" panose="02020603050405020304" pitchFamily="18" charset="0"/>
+              <a:ea typeface="微软雅黑" panose="020B0503020204020204" pitchFamily="34" charset="-122"/>
+            </a:endParaRPr>
+          </a:p>
+        </p:txBody>
+      </p:sp>
+      <p:sp>
+        <p:nvSpPr>
+          <p:cNvPr id="13" name="矩形 12"/>
+          <p:cNvSpPr/>
+          <p:nvPr/>
+        </p:nvSpPr>
+        <p:spPr>
+          <a:xfrm>
+            <a:off x="5553455" y="3201858"/>
+            <a:ext cx="6566256" cy="2585323"/>
+          </a:xfrm>
+          <a:prstGeom prst="rect">
+            <a:avLst/>
+          </a:prstGeom>
+        </p:spPr>
+        <p:txBody>
+          <a:bodyPr wrap="square">
+            <a:spAutoFit/>
+          </a:bodyPr>
+          <a:lstStyle/>
+          <a:p>
+            <a:pPr marL="285750" indent="-285750">
+              <a:lnSpc>
+                <a:spcPct val="150000"/>
+              </a:lnSpc>
+              <a:buFont typeface="Wingdings" panose="05000000000000000000" pitchFamily="2" charset="2"/>
+              <a:buChar char="u"/>
+            </a:pPr>
+            <a:r>
+              <a:rPr lang="zh-CN" altLang="en-US" b="1" dirty="0" smtClean="0">
+                <a:solidFill>
+                  <a:srgbClr val="111133"/>
+                </a:solidFill>
+                <a:latin typeface="Times New Roman" panose="02020603050405020304" pitchFamily="18" charset="0"/>
+                <a:ea typeface="微软雅黑" panose="020B0503020204020204" pitchFamily="34" charset="-122"/>
+              </a:rPr>
+              <a:t>支</a:t>
+            </a:r>
+            <a:r>
+              <a:rPr lang="zh-CN" altLang="en-US" b="1" dirty="0">
+                <a:solidFill>
+                  <a:srgbClr val="111133"/>
+                </a:solidFill>
+                <a:latin typeface="Times New Roman" panose="02020603050405020304" pitchFamily="18" charset="0"/>
+                <a:ea typeface="微软雅黑" panose="020B0503020204020204" pitchFamily="34" charset="-122"/>
+              </a:rPr>
+              <a:t>持换页 </a:t>
+            </a:r>
+            <a:r>
+              <a:rPr lang="en-US" altLang="zh-CN" b="1" dirty="0">
+                <a:solidFill>
+                  <a:srgbClr val="111133"/>
+                </a:solidFill>
+                <a:latin typeface="Times New Roman" panose="02020603050405020304" pitchFamily="18" charset="0"/>
+                <a:ea typeface="微软雅黑" panose="020B0503020204020204" pitchFamily="34" charset="-122"/>
+              </a:rPr>
+              <a:t>(Swapping</a:t>
+            </a:r>
+            <a:r>
+              <a:rPr lang="en-US" altLang="zh-CN" b="1" dirty="0" smtClean="0">
+                <a:solidFill>
+                  <a:srgbClr val="111133"/>
+                </a:solidFill>
+                <a:latin typeface="Times New Roman" panose="02020603050405020304" pitchFamily="18" charset="0"/>
+                <a:ea typeface="微软雅黑" panose="020B0503020204020204" pitchFamily="34" charset="-122"/>
+              </a:rPr>
+              <a:t>)</a:t>
+            </a:r>
+            <a:endParaRPr lang="en-US" altLang="zh-CN" dirty="0" smtClean="0">
+              <a:solidFill>
+                <a:srgbClr val="111133"/>
+              </a:solidFill>
+              <a:latin typeface="Times New Roman" panose="02020603050405020304" pitchFamily="18" charset="0"/>
+              <a:ea typeface="微软雅黑" panose="020B0503020204020204" pitchFamily="34" charset="-122"/>
+            </a:endParaRPr>
+          </a:p>
+          <a:p>
+            <a:pPr>
+              <a:lnSpc>
+                <a:spcPct val="150000"/>
+              </a:lnSpc>
+            </a:pPr>
+            <a:r>
+              <a:rPr lang="zh-CN" altLang="en-US" dirty="0" smtClean="0">
+                <a:solidFill>
+                  <a:srgbClr val="111133"/>
+                </a:solidFill>
+                <a:latin typeface="Times New Roman" panose="02020603050405020304" pitchFamily="18" charset="0"/>
+                <a:ea typeface="微软雅黑" panose="020B0503020204020204" pitchFamily="34" charset="-122"/>
+              </a:rPr>
+              <a:t>当 </a:t>
+            </a:r>
+            <a:r>
+              <a:rPr lang="en-US" altLang="zh-CN" dirty="0">
+                <a:solidFill>
+                  <a:srgbClr val="111133"/>
+                </a:solidFill>
+                <a:latin typeface="Times New Roman" panose="02020603050405020304" pitchFamily="18" charset="0"/>
+                <a:ea typeface="微软雅黑" panose="020B0503020204020204" pitchFamily="34" charset="-122"/>
+              </a:rPr>
+              <a:t>GPU </a:t>
+            </a:r>
+            <a:r>
+              <a:rPr lang="zh-CN" altLang="en-US" dirty="0">
+                <a:solidFill>
+                  <a:srgbClr val="111133"/>
+                </a:solidFill>
+                <a:latin typeface="Times New Roman" panose="02020603050405020304" pitchFamily="18" charset="0"/>
+                <a:ea typeface="微软雅黑" panose="020B0503020204020204" pitchFamily="34" charset="-122"/>
+              </a:rPr>
+              <a:t>显存不足时，可将不活跃请求的物理 </a:t>
+            </a:r>
+            <a:r>
+              <a:rPr lang="en-US" altLang="zh-CN" dirty="0">
+                <a:solidFill>
+                  <a:srgbClr val="111133"/>
+                </a:solidFill>
+                <a:latin typeface="Times New Roman" panose="02020603050405020304" pitchFamily="18" charset="0"/>
+                <a:ea typeface="微软雅黑" panose="020B0503020204020204" pitchFamily="34" charset="-122"/>
+              </a:rPr>
+              <a:t>KV </a:t>
+            </a:r>
+            <a:r>
+              <a:rPr lang="zh-CN" altLang="en-US" dirty="0">
+                <a:solidFill>
+                  <a:srgbClr val="111133"/>
+                </a:solidFill>
+                <a:latin typeface="Times New Roman" panose="02020603050405020304" pitchFamily="18" charset="0"/>
+                <a:ea typeface="微软雅黑" panose="020B0503020204020204" pitchFamily="34" charset="-122"/>
+              </a:rPr>
+              <a:t>块换出到 </a:t>
+            </a:r>
+            <a:r>
+              <a:rPr lang="en-US" altLang="zh-CN" dirty="0">
+                <a:solidFill>
+                  <a:srgbClr val="111133"/>
+                </a:solidFill>
+                <a:latin typeface="Times New Roman" panose="02020603050405020304" pitchFamily="18" charset="0"/>
+                <a:ea typeface="微软雅黑" panose="020B0503020204020204" pitchFamily="34" charset="-122"/>
+              </a:rPr>
+              <a:t>CPU </a:t>
+            </a:r>
+            <a:r>
+              <a:rPr lang="zh-CN" altLang="en-US" dirty="0">
+                <a:solidFill>
+                  <a:srgbClr val="111133"/>
+                </a:solidFill>
+                <a:latin typeface="Times New Roman" panose="02020603050405020304" pitchFamily="18" charset="0"/>
+                <a:ea typeface="微软雅黑" panose="020B0503020204020204" pitchFamily="34" charset="-122"/>
+              </a:rPr>
+              <a:t>内存，进一步扩展系统容量。</a:t>
+            </a:r>
+          </a:p>
+          <a:p>
+            <a:pPr marL="285750" indent="-285750">
+              <a:lnSpc>
+                <a:spcPct val="150000"/>
+              </a:lnSpc>
+              <a:buFont typeface="Wingdings" panose="05000000000000000000" pitchFamily="2" charset="2"/>
+              <a:buChar char="u"/>
+            </a:pPr>
+            <a:r>
+              <a:rPr lang="zh-CN" altLang="en-US" b="1" dirty="0">
+                <a:solidFill>
+                  <a:srgbClr val="111133"/>
+                </a:solidFill>
+                <a:latin typeface="Times New Roman" panose="02020603050405020304" pitchFamily="18" charset="0"/>
+                <a:ea typeface="微软雅黑" panose="020B0503020204020204" pitchFamily="34" charset="-122"/>
+              </a:rPr>
+              <a:t>提升吞吐</a:t>
+            </a:r>
+            <a:r>
+              <a:rPr lang="zh-CN" altLang="en-US" b="1" dirty="0" smtClean="0">
+                <a:solidFill>
+                  <a:srgbClr val="111133"/>
+                </a:solidFill>
+                <a:latin typeface="Times New Roman" panose="02020603050405020304" pitchFamily="18" charset="0"/>
+                <a:ea typeface="微软雅黑" panose="020B0503020204020204" pitchFamily="34" charset="-122"/>
+              </a:rPr>
+              <a:t>量</a:t>
+            </a:r>
+            <a:endParaRPr lang="en-US" altLang="zh-CN" dirty="0" smtClean="0">
+              <a:solidFill>
+                <a:srgbClr val="111133"/>
+              </a:solidFill>
+              <a:latin typeface="Times New Roman" panose="02020603050405020304" pitchFamily="18" charset="0"/>
+              <a:ea typeface="微软雅黑" panose="020B0503020204020204" pitchFamily="34" charset="-122"/>
+            </a:endParaRPr>
+          </a:p>
+          <a:p>
+            <a:pPr>
+              <a:lnSpc>
+                <a:spcPct val="150000"/>
+              </a:lnSpc>
+            </a:pPr>
+            <a:r>
+              <a:rPr lang="zh-CN" altLang="en-US" dirty="0" smtClean="0">
+                <a:solidFill>
+                  <a:srgbClr val="111133"/>
+                </a:solidFill>
+                <a:latin typeface="Times New Roman" panose="02020603050405020304" pitchFamily="18" charset="0"/>
+                <a:ea typeface="微软雅黑" panose="020B0503020204020204" pitchFamily="34" charset="-122"/>
+              </a:rPr>
+              <a:t>更</a:t>
+            </a:r>
+            <a:r>
+              <a:rPr lang="zh-CN" altLang="en-US" dirty="0">
+                <a:solidFill>
+                  <a:srgbClr val="111133"/>
+                </a:solidFill>
+                <a:latin typeface="Times New Roman" panose="02020603050405020304" pitchFamily="18" charset="0"/>
+                <a:ea typeface="微软雅黑" panose="020B0503020204020204" pitchFamily="34" charset="-122"/>
+              </a:rPr>
+              <a:t>高的显存利用率意味着可以在同一台机器上服务更多的并发请求，显著提升了 </a:t>
+            </a:r>
+            <a:r>
+              <a:rPr lang="en-US" altLang="zh-CN" dirty="0">
+                <a:solidFill>
+                  <a:srgbClr val="111133"/>
+                </a:solidFill>
+                <a:latin typeface="Times New Roman" panose="02020603050405020304" pitchFamily="18" charset="0"/>
+                <a:ea typeface="微软雅黑" panose="020B0503020204020204" pitchFamily="34" charset="-122"/>
+              </a:rPr>
+              <a:t>LLM </a:t>
+            </a:r>
+            <a:r>
+              <a:rPr lang="zh-CN" altLang="en-US" dirty="0">
+                <a:solidFill>
+                  <a:srgbClr val="111133"/>
+                </a:solidFill>
+                <a:latin typeface="Times New Roman" panose="02020603050405020304" pitchFamily="18" charset="0"/>
+                <a:ea typeface="微软雅黑" panose="020B0503020204020204" pitchFamily="34" charset="-122"/>
+              </a:rPr>
+              <a:t>服务的吞吐量。</a:t>
+            </a:r>
+            <a:endParaRPr lang="zh-CN" altLang="en-US" b="0" i="0" dirty="0">
+              <a:solidFill>
+                <a:srgbClr val="111133"/>
+              </a:solidFill>
+              <a:effectLst/>
+              <a:latin typeface="Times New Roman" panose="02020603050405020304" pitchFamily="18" charset="0"/>
+              <a:ea typeface="微软雅黑" panose="020B0503020204020204" pitchFamily="34" charset="-122"/>
+            </a:endParaRPr>
+          </a:p>
+        </p:txBody>
+      </p:sp>
+      <p:sp>
+        <p:nvSpPr>
+          <p:cNvPr id="14" name="矩形 13"/>
+          <p:cNvSpPr/>
+          <p:nvPr/>
+        </p:nvSpPr>
+        <p:spPr>
+          <a:xfrm>
+            <a:off x="426667" y="3201858"/>
+            <a:ext cx="3994052" cy="1754326"/>
+          </a:xfrm>
+          <a:prstGeom prst="rect">
+            <a:avLst/>
+          </a:prstGeom>
+        </p:spPr>
+        <p:txBody>
+          <a:bodyPr wrap="square">
+            <a:spAutoFit/>
+          </a:bodyPr>
+          <a:lstStyle/>
+          <a:p>
+            <a:pPr marL="285750" indent="-285750">
+              <a:lnSpc>
+                <a:spcPct val="150000"/>
+              </a:lnSpc>
+              <a:buFont typeface="Wingdings" panose="05000000000000000000" pitchFamily="2" charset="2"/>
+              <a:buChar char="u"/>
+            </a:pPr>
+            <a:r>
+              <a:rPr lang="zh-CN" altLang="en-US" b="1" dirty="0">
+                <a:solidFill>
+                  <a:srgbClr val="111133"/>
+                </a:solidFill>
+                <a:latin typeface="Times New Roman" panose="02020603050405020304" pitchFamily="18" charset="0"/>
+                <a:ea typeface="微软雅黑" panose="020B0503020204020204" pitchFamily="34" charset="-122"/>
+              </a:rPr>
+              <a:t>极高的显存利用率</a:t>
+            </a:r>
+            <a:endParaRPr lang="en-US" altLang="zh-CN" dirty="0">
+              <a:solidFill>
+                <a:srgbClr val="111133"/>
+              </a:solidFill>
+              <a:latin typeface="Times New Roman" panose="02020603050405020304" pitchFamily="18" charset="0"/>
+              <a:ea typeface="微软雅黑" panose="020B0503020204020204" pitchFamily="34" charset="-122"/>
+            </a:endParaRPr>
+          </a:p>
+          <a:p>
+            <a:pPr>
+              <a:lnSpc>
+                <a:spcPct val="150000"/>
+              </a:lnSpc>
+            </a:pPr>
+            <a:r>
+              <a:rPr lang="zh-CN" altLang="en-US" dirty="0">
+                <a:solidFill>
+                  <a:srgbClr val="111133"/>
+                </a:solidFill>
+                <a:latin typeface="Times New Roman" panose="02020603050405020304" pitchFamily="18" charset="0"/>
+                <a:ea typeface="微软雅黑" panose="020B0503020204020204" pitchFamily="34" charset="-122"/>
+              </a:rPr>
+              <a:t>消除了传统预分配造成的巨大浪费。</a:t>
+            </a:r>
+          </a:p>
+          <a:p>
+            <a:pPr marL="342900" indent="-342900">
+              <a:lnSpc>
+                <a:spcPct val="150000"/>
+              </a:lnSpc>
+              <a:buFont typeface="Wingdings" panose="05000000000000000000" pitchFamily="2" charset="2"/>
+              <a:buChar char="u"/>
+            </a:pPr>
+            <a:r>
+              <a:rPr lang="zh-CN" altLang="en-US" b="1" dirty="0">
+                <a:solidFill>
+                  <a:srgbClr val="111133"/>
+                </a:solidFill>
+                <a:latin typeface="Times New Roman" panose="02020603050405020304" pitchFamily="18" charset="0"/>
+                <a:ea typeface="微软雅黑" panose="020B0503020204020204" pitchFamily="34" charset="-122"/>
+              </a:rPr>
+              <a:t>强大的动态扩展能力</a:t>
+            </a:r>
+            <a:endParaRPr lang="en-US" altLang="zh-CN" dirty="0">
+              <a:solidFill>
+                <a:srgbClr val="111133"/>
+              </a:solidFill>
+              <a:latin typeface="Times New Roman" panose="02020603050405020304" pitchFamily="18" charset="0"/>
+              <a:ea typeface="微软雅黑" panose="020B0503020204020204" pitchFamily="34" charset="-122"/>
+            </a:endParaRPr>
+          </a:p>
+          <a:p>
+            <a:pPr>
+              <a:lnSpc>
+                <a:spcPct val="150000"/>
+              </a:lnSpc>
+            </a:pPr>
+            <a:r>
+              <a:rPr lang="en-US" altLang="zh-CN" dirty="0">
+                <a:solidFill>
+                  <a:srgbClr val="111133"/>
+                </a:solidFill>
+                <a:latin typeface="Times New Roman" panose="02020603050405020304" pitchFamily="18" charset="0"/>
+                <a:ea typeface="微软雅黑" panose="020B0503020204020204" pitchFamily="34" charset="-122"/>
+              </a:rPr>
+              <a:t>KV </a:t>
+            </a:r>
+            <a:r>
+              <a:rPr lang="zh-CN" altLang="en-US" dirty="0">
+                <a:solidFill>
+                  <a:srgbClr val="111133"/>
+                </a:solidFill>
+                <a:latin typeface="Times New Roman" panose="02020603050405020304" pitchFamily="18" charset="0"/>
+                <a:ea typeface="微软雅黑" panose="020B0503020204020204" pitchFamily="34" charset="-122"/>
+              </a:rPr>
+              <a:t>缓存可以像链表一样动态增长。</a:t>
+            </a:r>
+            <a:endParaRPr lang="zh-CN" altLang="en-US" dirty="0">
+              <a:solidFill>
+                <a:srgbClr val="111133"/>
+              </a:solidFill>
+              <a:latin typeface="Times New Roman" panose="02020603050405020304" pitchFamily="18" charset="0"/>
+              <a:ea typeface="微软雅黑" panose="020B0503020204020204" pitchFamily="34" charset="-122"/>
+            </a:endParaRPr>
+          </a:p>
+        </p:txBody>
+      </p:sp>
+    </p:spTree>
+    <p:extLst>
+      <p:ext uri="{BB962C8B-B14F-4D97-AF65-F5344CB8AC3E}">
+        <p14:creationId xmlns:p14="http://schemas.microsoft.com/office/powerpoint/2010/main" val="2616467436"/>
+      </p:ext>
+    </p:extLst>
+  </p:cSld>
+  <p:clrMapOvr>
+    <a:masterClrMapping/>
+  </p:clrMapOvr>
+  <p:timing>
+    <p:tnLst>
+      <p:par>
+        <p:cTn id="1" dur="indefinite" restart="never" nodeType="tmRoot"/>
+      </p:par>
+    </p:tnLst>
+  </p:timing>
+</p:sld>
+</file>
+
+<file path=ppt/slides/slide8.xml><?xml version="1.0" encoding="utf-8"?>
+<p:sld xmlns:a="http://schemas.openxmlformats.org/drawingml/2006/main" xmlns:r="http://schemas.openxmlformats.org/officeDocument/2006/relationships" xmlns:p="http://schemas.openxmlformats.org/presentationml/2006/main">
+  <p:cSld>
+    <p:spTree>
+      <p:nvGrpSpPr>
+        <p:cNvPr id="1" name=""/>
+        <p:cNvGrpSpPr/>
+        <p:nvPr/>
+      </p:nvGrpSpPr>
+      <p:grpSpPr>
+        <a:xfrm>
+          <a:off x="0" y="0"/>
+          <a:ext cx="0" cy="0"/>
+          <a:chOff x="0" y="0"/>
+          <a:chExt cx="0" cy="0"/>
+        </a:xfrm>
+      </p:grpSpPr>
+      <p:sp>
+        <p:nvSpPr>
+          <p:cNvPr id="2" name="TextBox 6"/>
+          <p:cNvSpPr>
+            <a:spLocks noChangeArrowheads="1"/>
+          </p:cNvSpPr>
+          <p:nvPr/>
+        </p:nvSpPr>
+        <p:spPr bwMode="auto">
+          <a:xfrm>
+            <a:off x="2423693" y="260912"/>
+            <a:ext cx="9407235" cy="430530"/>
+          </a:xfrm>
+          <a:prstGeom prst="rect">
+            <a:avLst/>
+          </a:prstGeom>
+          <a:noFill/>
+          <a:ln>
+            <a:noFill/>
+          </a:ln>
+          <a:extLst>
+            <a:ext uri="{909E8E84-426E-40DD-AFC4-6F175D3DCCD1}">
+              <a14:hiddenFill xmlns:a14="http://schemas.microsoft.com/office/drawing/2010/main">
+                <a:solidFill>
+                  <a:srgbClr val="FFFFFF"/>
+                </a:solidFill>
+              </a14:hiddenFill>
+            </a:ext>
+            <a:ext uri="{91240B29-F687-4F45-9708-019B960494DF}">
+              <a14:hiddenLine xmlns:a14="http://schemas.microsoft.com/office/drawing/2010/main" w="9525">
+                <a:solidFill>
+                  <a:srgbClr val="000000"/>
+                </a:solidFill>
+                <a:miter lim="800000"/>
+                <a:headEnd/>
+                <a:tailEnd/>
+              </a14:hiddenLine>
+            </a:ext>
+          </a:extLst>
+        </p:spPr>
+        <p:txBody>
+          <a:bodyPr wrap="square" lIns="0" tIns="0" rIns="0" bIns="0" anchor="ctr">
+            <a:spAutoFit/>
+          </a:bodyPr>
+          <a:lstStyle>
+            <a:lvl1pPr>
+              <a:defRPr>
+                <a:solidFill>
+                  <a:schemeClr val="tx1"/>
+                </a:solidFill>
+                <a:latin typeface="Arial" panose="020B0604020202020204" pitchFamily="34" charset="0"/>
+                <a:ea typeface="宋体" panose="02010600030101010101" pitchFamily="2" charset="-122"/>
+              </a:defRPr>
+            </a:lvl1pPr>
+            <a:lvl2pPr marL="742950" indent="-285750">
+              <a:defRPr>
+                <a:solidFill>
+                  <a:schemeClr val="tx1"/>
+                </a:solidFill>
+                <a:latin typeface="Arial" panose="020B0604020202020204" pitchFamily="34" charset="0"/>
+                <a:ea typeface="宋体" panose="02010600030101010101" pitchFamily="2" charset="-122"/>
+              </a:defRPr>
+            </a:lvl2pPr>
+            <a:lvl3pPr marL="1143000" indent="-228600">
+              <a:defRPr>
+                <a:solidFill>
+                  <a:schemeClr val="tx1"/>
+                </a:solidFill>
+                <a:latin typeface="Arial" panose="020B0604020202020204" pitchFamily="34" charset="0"/>
+                <a:ea typeface="宋体" panose="02010600030101010101" pitchFamily="2" charset="-122"/>
+              </a:defRPr>
+            </a:lvl3pPr>
+            <a:lvl4pPr marL="1600200" indent="-228600">
+              <a:defRPr>
+                <a:solidFill>
+                  <a:schemeClr val="tx1"/>
+                </a:solidFill>
+                <a:latin typeface="Arial" panose="020B0604020202020204" pitchFamily="34" charset="0"/>
+                <a:ea typeface="宋体" panose="02010600030101010101" pitchFamily="2" charset="-122"/>
+              </a:defRPr>
+            </a:lvl4pPr>
+            <a:lvl5pPr marL="2057400" indent="-228600">
+              <a:defRPr>
+                <a:solidFill>
+                  <a:schemeClr val="tx1"/>
+                </a:solidFill>
+                <a:latin typeface="Arial" panose="020B0604020202020204" pitchFamily="34" charset="0"/>
+                <a:ea typeface="宋体" panose="02010600030101010101" pitchFamily="2" charset="-122"/>
+              </a:defRPr>
+            </a:lvl5pPr>
+            <a:lvl6pPr marL="2514600" indent="-228600" eaLnBrk="0" fontAlgn="base" hangingPunct="0">
+              <a:spcBef>
+                <a:spcPct val="0"/>
+              </a:spcBef>
+              <a:spcAft>
+                <a:spcPct val="0"/>
+              </a:spcAft>
+              <a:defRPr>
+                <a:solidFill>
+                  <a:schemeClr val="tx1"/>
+                </a:solidFill>
+                <a:latin typeface="Arial" panose="020B0604020202020204" pitchFamily="34" charset="0"/>
+                <a:ea typeface="宋体" panose="02010600030101010101" pitchFamily="2" charset="-122"/>
+              </a:defRPr>
+            </a:lvl6pPr>
+            <a:lvl7pPr marL="2971800" indent="-228600" eaLnBrk="0" fontAlgn="base" hangingPunct="0">
+              <a:spcBef>
+                <a:spcPct val="0"/>
+              </a:spcBef>
+              <a:spcAft>
+                <a:spcPct val="0"/>
+              </a:spcAft>
+              <a:defRPr>
+                <a:solidFill>
+                  <a:schemeClr val="tx1"/>
+                </a:solidFill>
+                <a:latin typeface="Arial" panose="020B0604020202020204" pitchFamily="34" charset="0"/>
+                <a:ea typeface="宋体" panose="02010600030101010101" pitchFamily="2" charset="-122"/>
+              </a:defRPr>
+            </a:lvl7pPr>
+            <a:lvl8pPr marL="3429000" indent="-228600" eaLnBrk="0" fontAlgn="base" hangingPunct="0">
+              <a:spcBef>
+                <a:spcPct val="0"/>
+              </a:spcBef>
+              <a:spcAft>
+                <a:spcPct val="0"/>
+              </a:spcAft>
+              <a:defRPr>
+                <a:solidFill>
+                  <a:schemeClr val="tx1"/>
+                </a:solidFill>
+                <a:latin typeface="Arial" panose="020B0604020202020204" pitchFamily="34" charset="0"/>
+                <a:ea typeface="宋体" panose="02010600030101010101" pitchFamily="2" charset="-122"/>
+              </a:defRPr>
+            </a:lvl8pPr>
+            <a:lvl9pPr marL="3886200" indent="-228600" eaLnBrk="0" fontAlgn="base" hangingPunct="0">
+              <a:spcBef>
+                <a:spcPct val="0"/>
+              </a:spcBef>
+              <a:spcAft>
+                <a:spcPct val="0"/>
+              </a:spcAft>
+              <a:defRPr>
+                <a:solidFill>
+                  <a:schemeClr val="tx1"/>
+                </a:solidFill>
+                <a:latin typeface="Arial" panose="020B0604020202020204" pitchFamily="34" charset="0"/>
+                <a:ea typeface="宋体" panose="02010600030101010101" pitchFamily="2" charset="-122"/>
+              </a:defRPr>
+            </a:lvl9pPr>
+          </a:lstStyle>
+          <a:p>
+            <a:pPr marL="0" marR="0" lvl="0" indent="0" algn="l" defTabSz="914400" rtl="0" eaLnBrk="1" fontAlgn="base" latinLnBrk="0" hangingPunct="1">
+              <a:lnSpc>
+                <a:spcPct val="100000"/>
+              </a:lnSpc>
+              <a:spcBef>
+                <a:spcPct val="0"/>
+              </a:spcBef>
+              <a:spcAft>
+                <a:spcPct val="0"/>
+              </a:spcAft>
+              <a:buClrTx/>
+              <a:buSzTx/>
+              <a:buFontTx/>
+              <a:buNone/>
+              <a:defRPr/>
+            </a:pPr>
+            <a:r>
+              <a:rPr lang="zh-CN" altLang="en-US" sz="2800" b="1" noProof="0" dirty="0">
+                <a:solidFill>
+                  <a:srgbClr val="62055D"/>
+                </a:solidFill>
+                <a:latin typeface="Times New Roman" panose="02020603050405020304" pitchFamily="18" charset="0"/>
+                <a:ea typeface="微软雅黑" panose="020B0503020204020204" pitchFamily="34" charset="-122"/>
+                <a:cs typeface="Times New Roman" panose="02020603050405020304" pitchFamily="18" charset="0"/>
+                <a:sym typeface="Impact" panose="020B0806030902050204" pitchFamily="34" charset="0"/>
+              </a:rPr>
+              <a:t>方</a:t>
+            </a:r>
+            <a:r>
+              <a:rPr lang="zh-CN" altLang="en-US" sz="2800" b="1" noProof="0" dirty="0" smtClean="0">
+                <a:solidFill>
+                  <a:srgbClr val="62055D"/>
+                </a:solidFill>
+                <a:latin typeface="Times New Roman" panose="02020603050405020304" pitchFamily="18" charset="0"/>
+                <a:ea typeface="微软雅黑" panose="020B0503020204020204" pitchFamily="34" charset="-122"/>
+                <a:cs typeface="Times New Roman" panose="02020603050405020304" pitchFamily="18" charset="0"/>
+                <a:sym typeface="Impact" panose="020B0806030902050204" pitchFamily="34" charset="0"/>
+              </a:rPr>
+              <a:t>法设计</a:t>
+            </a:r>
+            <a:endParaRPr kumimoji="0" lang="zh-CN" altLang="en-US" sz="2800" b="1" i="0" u="none" strike="noStrike" kern="1200" cap="none" spc="0" normalizeH="0" baseline="0" noProof="0" dirty="0">
+              <a:ln>
+                <a:noFill/>
+              </a:ln>
+              <a:solidFill>
+                <a:srgbClr val="62055D"/>
+              </a:solidFill>
+              <a:effectLst/>
+              <a:uLnTx/>
+              <a:uFillTx/>
+              <a:latin typeface="Times New Roman" panose="02020603050405020304" pitchFamily="18" charset="0"/>
+              <a:ea typeface="微软雅黑" panose="020B0503020204020204" pitchFamily="34" charset="-122"/>
+              <a:cs typeface="Times New Roman" panose="02020603050405020304" pitchFamily="18" charset="0"/>
+              <a:sym typeface="Impact" panose="020B0806030902050204" pitchFamily="34" charset="0"/>
+            </a:endParaRPr>
+          </a:p>
+        </p:txBody>
+      </p:sp>
+      <p:pic>
+        <p:nvPicPr>
+          <p:cNvPr id="4" name="内容占位符 4"/>
+          <p:cNvPicPr>
+            <a:picLocks noChangeAspect="1"/>
+          </p:cNvPicPr>
+          <p:nvPr/>
+        </p:nvPicPr>
+        <p:blipFill>
+          <a:blip r:embed="rId3" cstate="print">
+            <a:extLst>
+              <a:ext uri="{28A0092B-C50C-407E-A947-70E740481C1C}">
+                <a14:useLocalDpi xmlns:a14="http://schemas.microsoft.com/office/drawing/2010/main" val="0"/>
+              </a:ext>
+            </a:extLst>
+          </a:blip>
+          <a:stretch>
+            <a:fillRect/>
+          </a:stretch>
+        </p:blipFill>
+        <p:spPr>
+          <a:xfrm>
+            <a:off x="129540" y="159790"/>
+            <a:ext cx="1989778" cy="632774"/>
+          </a:xfrm>
+          <a:prstGeom prst="rect">
+            <a:avLst/>
+          </a:prstGeom>
+        </p:spPr>
+      </p:pic>
+      <p:sp>
+        <p:nvSpPr>
+          <p:cNvPr id="6" name="矩形 5"/>
+          <p:cNvSpPr/>
+          <p:nvPr/>
+        </p:nvSpPr>
+        <p:spPr>
+          <a:xfrm>
+            <a:off x="2423694" y="697914"/>
+            <a:ext cx="6745244" cy="71852"/>
+          </a:xfrm>
+          <a:prstGeom prst="rect">
+            <a:avLst/>
+          </a:prstGeom>
+          <a:gradFill flip="none" rotWithShape="1">
+            <a:gsLst>
+              <a:gs pos="0">
+                <a:srgbClr val="63065F">
+                  <a:shade val="30000"/>
+                  <a:satMod val="115000"/>
+                  <a:alpha val="60000"/>
+                  <a:lumMod val="100000"/>
+                </a:srgbClr>
+              </a:gs>
+              <a:gs pos="52000">
+                <a:srgbClr val="63065F">
+                  <a:shade val="67500"/>
+                  <a:satMod val="115000"/>
+                  <a:alpha val="70000"/>
+                </a:srgbClr>
+              </a:gs>
+              <a:gs pos="100000">
+                <a:srgbClr val="63065F">
+                  <a:shade val="100000"/>
+                  <a:satMod val="115000"/>
+                </a:srgbClr>
+              </a:gs>
+            </a:gsLst>
+            <a:lin ang="5400000" scaled="1"/>
+            <a:tileRect/>
+          </a:gradFill>
           <a:ln>
             <a:noFill/>
           </a:ln>
@@ -7997,232 +9705,757 @@
           </a:p>
         </p:txBody>
       </p:sp>
-      <p:grpSp>
-        <p:nvGrpSpPr>
-          <p:cNvPr id="55" name="组合 54"/>
-          <p:cNvGrpSpPr/>
-          <p:nvPr/>
-        </p:nvGrpSpPr>
-        <p:grpSpPr>
-          <a:xfrm>
-            <a:off x="198816" y="1041763"/>
-            <a:ext cx="11775984" cy="5300848"/>
-            <a:chOff x="198816" y="1041763"/>
-            <a:chExt cx="11775984" cy="5300848"/>
-          </a:xfrm>
-        </p:grpSpPr>
-        <p:pic>
-          <p:nvPicPr>
-            <p:cNvPr id="56" name="图片 55"/>
-            <p:cNvPicPr>
-              <a:picLocks noChangeAspect="1"/>
-            </p:cNvPicPr>
-            <p:nvPr/>
-          </p:nvPicPr>
-          <p:blipFill rotWithShape="1">
-            <a:blip r:embed="rId3">
-              <a:extLst>
-                <a:ext uri="{28A0092B-C50C-407E-A947-70E740481C1C}">
-                  <a14:useLocalDpi xmlns:a14="http://schemas.microsoft.com/office/drawing/2010/main" val="0"/>
-                </a:ext>
-              </a:extLst>
-            </a:blip>
-            <a:srcRect t="32799"/>
-            <a:stretch>
-              <a:fillRect/>
-            </a:stretch>
-          </p:blipFill>
-          <p:spPr>
-            <a:xfrm>
-              <a:off x="203412" y="1041763"/>
-              <a:ext cx="11766792" cy="5300848"/>
-            </a:xfrm>
-            <a:prstGeom prst="rect">
-              <a:avLst/>
-            </a:prstGeom>
-            <a:solidFill>
-              <a:schemeClr val="bg2"/>
-            </a:solidFill>
-          </p:spPr>
-        </p:pic>
-        <p:sp>
-          <p:nvSpPr>
-            <p:cNvPr id="57" name="矩形 56"/>
-            <p:cNvSpPr/>
-            <p:nvPr/>
-          </p:nvSpPr>
-          <p:spPr>
-            <a:xfrm>
-              <a:off x="198816" y="1041763"/>
-              <a:ext cx="11775984" cy="5300848"/>
-            </a:xfrm>
-            <a:prstGeom prst="rect">
-              <a:avLst/>
-            </a:prstGeom>
-            <a:solidFill>
-              <a:schemeClr val="bg1">
-                <a:alpha val="92000"/>
-              </a:schemeClr>
-            </a:solidFill>
-            <a:ln>
-              <a:noFill/>
-            </a:ln>
-          </p:spPr>
-          <p:style>
-            <a:lnRef idx="2">
-              <a:schemeClr val="accent1">
-                <a:shade val="50000"/>
-              </a:schemeClr>
-            </a:lnRef>
-            <a:fillRef idx="1">
-              <a:schemeClr val="accent1"/>
-            </a:fillRef>
-            <a:effectRef idx="0">
-              <a:schemeClr val="accent1"/>
-            </a:effectRef>
-            <a:fontRef idx="minor">
-              <a:schemeClr val="lt1"/>
-            </a:fontRef>
-          </p:style>
-          <p:txBody>
-            <a:bodyPr rtlCol="0" anchor="ctr"/>
-            <a:lstStyle/>
-            <a:p>
-              <a:pPr algn="ctr"/>
-              <a:endParaRPr lang="zh-CN" altLang="en-US" dirty="0"/>
-            </a:p>
-          </p:txBody>
-        </p:sp>
-      </p:grpSp>
-      <p:sp>
-        <p:nvSpPr>
-          <p:cNvPr id="24" name="文本框 23"/>
-          <p:cNvSpPr txBox="1"/>
+      <p:sp>
+        <p:nvSpPr>
+          <p:cNvPr id="7" name="矩形 6"/>
+          <p:cNvSpPr/>
           <p:nvPr/>
         </p:nvSpPr>
         <p:spPr>
           <a:xfrm>
-            <a:off x="1931351" y="2243306"/>
-            <a:ext cx="8329297" cy="1015663"/>
+            <a:off x="301898" y="924576"/>
+            <a:ext cx="6631944" cy="523220"/>
+          </a:xfrm>
+          <a:prstGeom prst="rect">
+            <a:avLst/>
+          </a:prstGeom>
+        </p:spPr>
+        <p:txBody>
+          <a:bodyPr wrap="none">
+            <a:spAutoFit/>
+          </a:bodyPr>
+          <a:lstStyle/>
+          <a:p>
+            <a:r>
+              <a:rPr lang="en-US" altLang="zh-CN" sz="2800" b="1" dirty="0">
+                <a:latin typeface="Times New Roman" panose="02020603050405020304" pitchFamily="18" charset="0"/>
+                <a:ea typeface="微软雅黑" panose="020B0503020204020204" pitchFamily="34" charset="-122"/>
+              </a:rPr>
+              <a:t>Decoding with PagedAttention and vLLM</a:t>
+            </a:r>
+            <a:endParaRPr lang="zh-CN" altLang="en-US" sz="2800" b="1" dirty="0">
+              <a:latin typeface="Times New Roman" panose="02020603050405020304" pitchFamily="18" charset="0"/>
+              <a:ea typeface="微软雅黑" panose="020B0503020204020204" pitchFamily="34" charset="-122"/>
+            </a:endParaRPr>
+          </a:p>
+        </p:txBody>
+      </p:sp>
+      <p:pic>
+        <p:nvPicPr>
+          <p:cNvPr id="3" name="图片 2"/>
+          <p:cNvPicPr>
+            <a:picLocks noChangeAspect="1"/>
+          </p:cNvPicPr>
+          <p:nvPr/>
+        </p:nvPicPr>
+        <p:blipFill>
+          <a:blip r:embed="rId4"/>
+          <a:stretch>
+            <a:fillRect/>
+          </a:stretch>
+        </p:blipFill>
+        <p:spPr>
+          <a:xfrm>
+            <a:off x="182524" y="2982630"/>
+            <a:ext cx="5406330" cy="2832173"/>
+          </a:xfrm>
+          <a:prstGeom prst="rect">
+            <a:avLst/>
+          </a:prstGeom>
+        </p:spPr>
+      </p:pic>
+      <p:pic>
+        <p:nvPicPr>
+          <p:cNvPr id="9" name="图片 8"/>
+          <p:cNvPicPr>
+            <a:picLocks noChangeAspect="1"/>
+          </p:cNvPicPr>
+          <p:nvPr/>
+        </p:nvPicPr>
+        <p:blipFill>
+          <a:blip r:embed="rId5"/>
+          <a:stretch>
+            <a:fillRect/>
+          </a:stretch>
+        </p:blipFill>
+        <p:spPr>
+          <a:xfrm>
+            <a:off x="5588854" y="3018259"/>
+            <a:ext cx="6242074" cy="2760917"/>
+          </a:xfrm>
+          <a:prstGeom prst="rect">
+            <a:avLst/>
+          </a:prstGeom>
+        </p:spPr>
+      </p:pic>
+      <p:sp>
+        <p:nvSpPr>
+          <p:cNvPr id="10" name="矩形 9"/>
+          <p:cNvSpPr/>
+          <p:nvPr/>
+        </p:nvSpPr>
+        <p:spPr>
+          <a:xfrm>
+            <a:off x="301898" y="5850432"/>
+            <a:ext cx="11529030" cy="830997"/>
+          </a:xfrm>
+          <a:prstGeom prst="rect">
+            <a:avLst/>
+          </a:prstGeom>
+        </p:spPr>
+        <p:txBody>
+          <a:bodyPr wrap="square">
+            <a:spAutoFit/>
+          </a:bodyPr>
+          <a:lstStyle/>
+          <a:p>
+            <a:pPr>
+              <a:lnSpc>
+                <a:spcPct val="150000"/>
+              </a:lnSpc>
+            </a:pPr>
+            <a:r>
+              <a:rPr lang="zh-CN" altLang="en-US" sz="1600" dirty="0">
+                <a:solidFill>
+                  <a:srgbClr val="111133"/>
+                </a:solidFill>
+                <a:latin typeface="-apple-system"/>
+                <a:ea typeface="微软雅黑" panose="020B0503020204020204" pitchFamily="34" charset="-122"/>
+              </a:rPr>
+              <a:t>系统按需分配，且一个逻辑块必须填满才会分配下一个，因此一个请求造成的最大内存浪费就是</a:t>
+            </a:r>
+            <a:r>
+              <a:rPr lang="zh-CN" altLang="en-US" sz="1600" b="1" dirty="0">
+                <a:solidFill>
+                  <a:srgbClr val="111133"/>
+                </a:solidFill>
+                <a:latin typeface="-apple-system"/>
+                <a:ea typeface="微软雅黑" panose="020B0503020204020204" pitchFamily="34" charset="-122"/>
+              </a:rPr>
+              <a:t>一个未完全填满的物理</a:t>
+            </a:r>
+            <a:r>
+              <a:rPr lang="zh-CN" altLang="en-US" sz="1600" b="1" dirty="0" smtClean="0">
+                <a:solidFill>
+                  <a:srgbClr val="111133"/>
+                </a:solidFill>
+                <a:latin typeface="-apple-system"/>
+                <a:ea typeface="微软雅黑" panose="020B0503020204020204" pitchFamily="34" charset="-122"/>
+              </a:rPr>
+              <a:t>块</a:t>
+            </a:r>
+            <a:endParaRPr lang="en-US" altLang="zh-CN" sz="1600" b="1" dirty="0" smtClean="0">
+              <a:solidFill>
+                <a:srgbClr val="111133"/>
+              </a:solidFill>
+              <a:latin typeface="-apple-system"/>
+              <a:ea typeface="微软雅黑" panose="020B0503020204020204" pitchFamily="34" charset="-122"/>
+            </a:endParaRPr>
+          </a:p>
+          <a:p>
+            <a:pPr>
+              <a:lnSpc>
+                <a:spcPct val="150000"/>
+              </a:lnSpc>
+            </a:pPr>
+            <a:r>
+              <a:rPr lang="zh-CN" altLang="en-US" sz="1600" dirty="0" smtClean="0">
+                <a:ea typeface="微软雅黑" panose="020B0503020204020204" pitchFamily="34" charset="-122"/>
+              </a:rPr>
+              <a:t>当</a:t>
+            </a:r>
+            <a:r>
+              <a:rPr lang="zh-CN" altLang="en-US" sz="1600" dirty="0">
+                <a:ea typeface="微软雅黑" panose="020B0503020204020204" pitchFamily="34" charset="-122"/>
+              </a:rPr>
+              <a:t>一个请求完成生成（例如，达到最大长度或遇到结束符 </a:t>
+            </a:r>
+            <a:r>
+              <a:rPr lang="en-US" altLang="zh-CN" sz="1600" dirty="0">
+                <a:ea typeface="微软雅黑" panose="020B0503020204020204" pitchFamily="34" charset="-122"/>
+              </a:rPr>
+              <a:t>&lt;eos&gt;</a:t>
+            </a:r>
+            <a:r>
+              <a:rPr lang="zh-CN" altLang="en-US" sz="1600" dirty="0">
+                <a:ea typeface="微软雅黑" panose="020B0503020204020204" pitchFamily="34" charset="-122"/>
+              </a:rPr>
+              <a:t>），其占用的所有物理 </a:t>
+            </a:r>
+            <a:r>
+              <a:rPr lang="en-US" altLang="zh-CN" sz="1600" dirty="0">
+                <a:ea typeface="微软雅黑" panose="020B0503020204020204" pitchFamily="34" charset="-122"/>
+              </a:rPr>
+              <a:t>KV </a:t>
+            </a:r>
+            <a:r>
+              <a:rPr lang="zh-CN" altLang="en-US" sz="1600" dirty="0">
+                <a:ea typeface="微软雅黑" panose="020B0503020204020204" pitchFamily="34" charset="-122"/>
+              </a:rPr>
+              <a:t>块会被标记为空闲。</a:t>
+            </a:r>
+          </a:p>
+        </p:txBody>
+      </p:sp>
+      <p:sp>
+        <p:nvSpPr>
+          <p:cNvPr id="11" name="矩形 10"/>
+          <p:cNvSpPr/>
+          <p:nvPr/>
+        </p:nvSpPr>
+        <p:spPr>
+          <a:xfrm>
+            <a:off x="301898" y="1615574"/>
+            <a:ext cx="11603409" cy="1615827"/>
+          </a:xfrm>
+          <a:prstGeom prst="rect">
+            <a:avLst/>
+          </a:prstGeom>
+        </p:spPr>
+        <p:txBody>
+          <a:bodyPr wrap="square">
+            <a:spAutoFit/>
+          </a:bodyPr>
+          <a:lstStyle/>
+          <a:p>
+            <a:r>
+              <a:rPr lang="en-US" altLang="zh-CN" dirty="0">
+                <a:solidFill>
+                  <a:srgbClr val="111133"/>
+                </a:solidFill>
+                <a:latin typeface="Times New Roman" panose="02020603050405020304" pitchFamily="18" charset="0"/>
+                <a:ea typeface="微软雅黑" panose="020B0503020204020204" pitchFamily="34" charset="-122"/>
+              </a:rPr>
+              <a:t>vLLM </a:t>
+            </a:r>
+            <a:r>
+              <a:rPr lang="zh-CN" altLang="en-US" dirty="0">
+                <a:solidFill>
+                  <a:srgbClr val="111133"/>
+                </a:solidFill>
+                <a:latin typeface="Times New Roman" panose="02020603050405020304" pitchFamily="18" charset="0"/>
+                <a:ea typeface="微软雅黑" panose="020B0503020204020204" pitchFamily="34" charset="-122"/>
+              </a:rPr>
+              <a:t>的核心是一个循环过程，每次“解码迭代”代表一次自回归生成步骤（生成一个或多个 </a:t>
+            </a:r>
+            <a:r>
+              <a:rPr lang="en-US" altLang="zh-CN" dirty="0">
+                <a:solidFill>
+                  <a:srgbClr val="111133"/>
+                </a:solidFill>
+                <a:latin typeface="Times New Roman" panose="02020603050405020304" pitchFamily="18" charset="0"/>
+                <a:ea typeface="微软雅黑" panose="020B0503020204020204" pitchFamily="34" charset="-122"/>
+              </a:rPr>
+              <a:t>token</a:t>
+            </a:r>
+            <a:r>
+              <a:rPr lang="zh-CN" altLang="en-US" dirty="0">
+                <a:solidFill>
+                  <a:srgbClr val="111133"/>
+                </a:solidFill>
+                <a:latin typeface="Times New Roman" panose="02020603050405020304" pitchFamily="18" charset="0"/>
+                <a:ea typeface="微软雅黑" panose="020B0503020204020204" pitchFamily="34" charset="-122"/>
+              </a:rPr>
+              <a:t>）</a:t>
+            </a:r>
+            <a:r>
+              <a:rPr lang="zh-CN" altLang="en-US" dirty="0" smtClean="0">
+                <a:solidFill>
+                  <a:srgbClr val="111133"/>
+                </a:solidFill>
+                <a:latin typeface="Times New Roman" panose="02020603050405020304" pitchFamily="18" charset="0"/>
+                <a:ea typeface="微软雅黑" panose="020B0503020204020204" pitchFamily="34" charset="-122"/>
+              </a:rPr>
+              <a:t>。</a:t>
+            </a:r>
+            <a:endParaRPr lang="en-US" altLang="zh-CN" dirty="0">
+              <a:solidFill>
+                <a:srgbClr val="111133"/>
+              </a:solidFill>
+              <a:latin typeface="Times New Roman" panose="02020603050405020304" pitchFamily="18" charset="0"/>
+              <a:ea typeface="微软雅黑" panose="020B0503020204020204" pitchFamily="34" charset="-122"/>
+            </a:endParaRPr>
+          </a:p>
+          <a:p>
+            <a:pPr marL="342900" indent="-342900">
+              <a:lnSpc>
+                <a:spcPct val="150000"/>
+              </a:lnSpc>
+              <a:buFont typeface="+mj-ea"/>
+              <a:buAutoNum type="circleNumDbPlain"/>
+            </a:pPr>
+            <a:r>
+              <a:rPr lang="zh-CN" altLang="en-US" b="1" dirty="0"/>
+              <a:t>选择候选序</a:t>
+            </a:r>
+            <a:r>
+              <a:rPr lang="zh-CN" altLang="en-US" b="1" dirty="0" smtClean="0"/>
+              <a:t>列</a:t>
+            </a:r>
+            <a:r>
+              <a:rPr lang="en-US" altLang="zh-CN" b="1" dirty="0" smtClean="0"/>
+              <a:t>; </a:t>
+            </a:r>
+            <a:r>
+              <a:rPr lang="zh-CN" altLang="en-US" dirty="0" smtClean="0"/>
+              <a:t>（</a:t>
+            </a:r>
+            <a:r>
+              <a:rPr lang="zh-CN" altLang="en-US" dirty="0"/>
+              <a:t>选择一组候选请</a:t>
+            </a:r>
+            <a:r>
+              <a:rPr lang="zh-CN" altLang="en-US" dirty="0" smtClean="0"/>
+              <a:t>求进行</a:t>
+            </a:r>
+            <a:r>
+              <a:rPr lang="zh-CN" altLang="en-US" b="1" dirty="0" smtClean="0"/>
+              <a:t>批处理</a:t>
+            </a:r>
+            <a:r>
+              <a:rPr lang="en-US" altLang="zh-CN" dirty="0" smtClean="0"/>
+              <a:t>:</a:t>
+            </a:r>
+            <a:r>
+              <a:rPr lang="zh-CN" altLang="en-US" dirty="0" smtClean="0"/>
+              <a:t>例</a:t>
+            </a:r>
+            <a:r>
+              <a:rPr lang="zh-CN" altLang="en-US" dirty="0"/>
+              <a:t>如，用户</a:t>
+            </a:r>
+            <a:r>
+              <a:rPr lang="en-US" altLang="zh-CN" dirty="0"/>
+              <a:t>A</a:t>
+            </a:r>
+            <a:r>
+              <a:rPr lang="zh-CN" altLang="en-US" dirty="0"/>
+              <a:t>正在聊天，用户</a:t>
+            </a:r>
+            <a:r>
+              <a:rPr lang="en-US" altLang="zh-CN" dirty="0"/>
+              <a:t>B</a:t>
+            </a:r>
+            <a:r>
+              <a:rPr lang="zh-CN" altLang="en-US" dirty="0"/>
+              <a:t>在提问）</a:t>
+            </a:r>
+            <a:endParaRPr lang="en-US" altLang="zh-CN" b="1" dirty="0" smtClean="0"/>
+          </a:p>
+          <a:p>
+            <a:pPr marL="342900" indent="-342900">
+              <a:lnSpc>
+                <a:spcPct val="150000"/>
+              </a:lnSpc>
+              <a:buFont typeface="+mj-ea"/>
+              <a:buAutoNum type="circleNumDbPlain"/>
+            </a:pPr>
+            <a:r>
+              <a:rPr lang="zh-CN" altLang="en-US" b="1" dirty="0" smtClean="0"/>
+              <a:t>动</a:t>
+            </a:r>
+            <a:r>
+              <a:rPr lang="zh-CN" altLang="en-US" b="1" dirty="0"/>
+              <a:t>态分配物理</a:t>
+            </a:r>
+            <a:r>
+              <a:rPr lang="zh-CN" altLang="en-US" b="1" dirty="0" smtClean="0"/>
+              <a:t>块</a:t>
+            </a:r>
+            <a:r>
+              <a:rPr lang="en-US" altLang="zh-CN" b="1" dirty="0" smtClean="0"/>
+              <a:t>;</a:t>
+            </a:r>
+          </a:p>
+          <a:p>
+            <a:pPr marL="342900" indent="-342900">
+              <a:lnSpc>
+                <a:spcPct val="150000"/>
+              </a:lnSpc>
+              <a:buFont typeface="+mj-ea"/>
+              <a:buAutoNum type="circleNumDbPlain"/>
+            </a:pPr>
+            <a:r>
+              <a:rPr lang="zh-CN" altLang="en-US" b="1" dirty="0"/>
+              <a:t>构造批处理输</a:t>
+            </a:r>
+            <a:r>
+              <a:rPr lang="zh-CN" altLang="en-US" b="1" dirty="0" smtClean="0"/>
+              <a:t>入</a:t>
+            </a:r>
+            <a:r>
+              <a:rPr lang="en-US" altLang="zh-CN" b="1" dirty="0" smtClean="0"/>
+              <a:t>; </a:t>
+            </a:r>
+            <a:r>
+              <a:rPr lang="en-US" altLang="zh-CN" dirty="0" smtClean="0"/>
+              <a:t>(</a:t>
+            </a:r>
+            <a:r>
+              <a:rPr lang="zh-CN" altLang="en-US" dirty="0" smtClean="0"/>
+              <a:t>正在预填充：输入的是完整的提示词；</a:t>
+            </a:r>
+            <a:r>
+              <a:rPr lang="zh-CN" altLang="en-US" dirty="0"/>
+              <a:t>正</a:t>
+            </a:r>
+            <a:r>
+              <a:rPr lang="zh-CN" altLang="en-US" dirty="0" smtClean="0"/>
+              <a:t>在自</a:t>
+            </a:r>
+            <a:r>
+              <a:rPr lang="zh-CN" altLang="en-US" dirty="0"/>
+              <a:t>回归生</a:t>
+            </a:r>
+            <a:r>
+              <a:rPr lang="zh-CN" altLang="en-US" dirty="0" smtClean="0"/>
+              <a:t>成：输入的</a:t>
+            </a:r>
+            <a:r>
+              <a:rPr lang="zh-CN" altLang="en-US" dirty="0"/>
+              <a:t>是</a:t>
+            </a:r>
+            <a:r>
+              <a:rPr lang="zh-CN" altLang="en-US" dirty="0" smtClean="0"/>
+              <a:t>最</a:t>
+            </a:r>
+            <a:r>
+              <a:rPr lang="zh-CN" altLang="en-US" dirty="0"/>
+              <a:t>新一</a:t>
+            </a:r>
+            <a:r>
+              <a:rPr lang="zh-CN" altLang="en-US" dirty="0" smtClean="0"/>
+              <a:t>个或多个 </a:t>
+            </a:r>
+            <a:r>
+              <a:rPr lang="en-US" altLang="zh-CN" dirty="0" smtClean="0"/>
+              <a:t>token)</a:t>
+            </a:r>
+            <a:endParaRPr lang="zh-CN" altLang="en-US" dirty="0">
+              <a:latin typeface="Times New Roman" panose="02020603050405020304" pitchFamily="18" charset="0"/>
+              <a:ea typeface="微软雅黑" panose="020B0503020204020204" pitchFamily="34" charset="-122"/>
+            </a:endParaRPr>
+          </a:p>
+        </p:txBody>
+      </p:sp>
+    </p:spTree>
+    <p:extLst>
+      <p:ext uri="{BB962C8B-B14F-4D97-AF65-F5344CB8AC3E}">
+        <p14:creationId xmlns:p14="http://schemas.microsoft.com/office/powerpoint/2010/main" val="2763467413"/>
+      </p:ext>
+    </p:extLst>
+  </p:cSld>
+  <p:clrMapOvr>
+    <a:masterClrMapping/>
+  </p:clrMapOvr>
+  <p:timing>
+    <p:tnLst>
+      <p:par>
+        <p:cTn id="1" dur="indefinite" restart="never" nodeType="tmRoot"/>
+      </p:par>
+    </p:tnLst>
+  </p:timing>
+</p:sld>
+</file>
+
+<file path=ppt/slides/slide9.xml><?xml version="1.0" encoding="utf-8"?>
+<p:sld xmlns:a="http://schemas.openxmlformats.org/drawingml/2006/main" xmlns:r="http://schemas.openxmlformats.org/officeDocument/2006/relationships" xmlns:p="http://schemas.openxmlformats.org/presentationml/2006/main">
+  <p:cSld>
+    <p:spTree>
+      <p:nvGrpSpPr>
+        <p:cNvPr id="1" name=""/>
+        <p:cNvGrpSpPr/>
+        <p:nvPr/>
+      </p:nvGrpSpPr>
+      <p:grpSpPr>
+        <a:xfrm>
+          <a:off x="0" y="0"/>
+          <a:ext cx="0" cy="0"/>
+          <a:chOff x="0" y="0"/>
+          <a:chExt cx="0" cy="0"/>
+        </a:xfrm>
+      </p:grpSpPr>
+      <p:sp>
+        <p:nvSpPr>
+          <p:cNvPr id="2" name="TextBox 6"/>
+          <p:cNvSpPr>
+            <a:spLocks noChangeArrowheads="1"/>
+          </p:cNvSpPr>
+          <p:nvPr/>
+        </p:nvSpPr>
+        <p:spPr bwMode="auto">
+          <a:xfrm>
+            <a:off x="2423693" y="260912"/>
+            <a:ext cx="9407235" cy="430530"/>
           </a:xfrm>
           <a:prstGeom prst="rect">
             <a:avLst/>
           </a:prstGeom>
           <a:noFill/>
+          <a:ln>
+            <a:noFill/>
+          </a:ln>
+          <a:extLst>
+            <a:ext uri="{909E8E84-426E-40DD-AFC4-6F175D3DCCD1}">
+              <a14:hiddenFill xmlns:a14="http://schemas.microsoft.com/office/drawing/2010/main">
+                <a:solidFill>
+                  <a:srgbClr val="FFFFFF"/>
+                </a:solidFill>
+              </a14:hiddenFill>
+            </a:ext>
+            <a:ext uri="{91240B29-F687-4F45-9708-019B960494DF}">
+              <a14:hiddenLine xmlns:a14="http://schemas.microsoft.com/office/drawing/2010/main" w="9525">
+                <a:solidFill>
+                  <a:srgbClr val="000000"/>
+                </a:solidFill>
+                <a:miter lim="800000"/>
+                <a:headEnd/>
+                <a:tailEnd/>
+              </a14:hiddenLine>
+            </a:ext>
+          </a:extLst>
         </p:spPr>
         <p:txBody>
-          <a:bodyPr wrap="square" rtlCol="0">
+          <a:bodyPr wrap="square" lIns="0" tIns="0" rIns="0" bIns="0" anchor="ctr">
             <a:spAutoFit/>
           </a:bodyPr>
-          <a:lstStyle/>
-          <a:p>
-            <a:pPr algn="ctr"/>
-            <a:r>
-              <a:rPr lang="en-US" altLang="zh-CN" sz="6000" spc="300" dirty="0">
-                <a:solidFill>
-                  <a:srgbClr val="6E0F6C"/>
+          <a:lstStyle>
+            <a:lvl1pPr>
+              <a:defRPr>
+                <a:solidFill>
+                  <a:schemeClr val="tx1"/>
+                </a:solidFill>
+                <a:latin typeface="Arial" panose="020B0604020202020204" pitchFamily="34" charset="0"/>
+                <a:ea typeface="宋体" panose="02010600030101010101" pitchFamily="2" charset="-122"/>
+              </a:defRPr>
+            </a:lvl1pPr>
+            <a:lvl2pPr marL="742950" indent="-285750">
+              <a:defRPr>
+                <a:solidFill>
+                  <a:schemeClr val="tx1"/>
+                </a:solidFill>
+                <a:latin typeface="Arial" panose="020B0604020202020204" pitchFamily="34" charset="0"/>
+                <a:ea typeface="宋体" panose="02010600030101010101" pitchFamily="2" charset="-122"/>
+              </a:defRPr>
+            </a:lvl2pPr>
+            <a:lvl3pPr marL="1143000" indent="-228600">
+              <a:defRPr>
+                <a:solidFill>
+                  <a:schemeClr val="tx1"/>
+                </a:solidFill>
+                <a:latin typeface="Arial" panose="020B0604020202020204" pitchFamily="34" charset="0"/>
+                <a:ea typeface="宋体" panose="02010600030101010101" pitchFamily="2" charset="-122"/>
+              </a:defRPr>
+            </a:lvl3pPr>
+            <a:lvl4pPr marL="1600200" indent="-228600">
+              <a:defRPr>
+                <a:solidFill>
+                  <a:schemeClr val="tx1"/>
+                </a:solidFill>
+                <a:latin typeface="Arial" panose="020B0604020202020204" pitchFamily="34" charset="0"/>
+                <a:ea typeface="宋体" panose="02010600030101010101" pitchFamily="2" charset="-122"/>
+              </a:defRPr>
+            </a:lvl4pPr>
+            <a:lvl5pPr marL="2057400" indent="-228600">
+              <a:defRPr>
+                <a:solidFill>
+                  <a:schemeClr val="tx1"/>
+                </a:solidFill>
+                <a:latin typeface="Arial" panose="020B0604020202020204" pitchFamily="34" charset="0"/>
+                <a:ea typeface="宋体" panose="02010600030101010101" pitchFamily="2" charset="-122"/>
+              </a:defRPr>
+            </a:lvl5pPr>
+            <a:lvl6pPr marL="2514600" indent="-228600" eaLnBrk="0" fontAlgn="base" hangingPunct="0">
+              <a:spcBef>
+                <a:spcPct val="0"/>
+              </a:spcBef>
+              <a:spcAft>
+                <a:spcPct val="0"/>
+              </a:spcAft>
+              <a:defRPr>
+                <a:solidFill>
+                  <a:schemeClr val="tx1"/>
+                </a:solidFill>
+                <a:latin typeface="Arial" panose="020B0604020202020204" pitchFamily="34" charset="0"/>
+                <a:ea typeface="宋体" panose="02010600030101010101" pitchFamily="2" charset="-122"/>
+              </a:defRPr>
+            </a:lvl6pPr>
+            <a:lvl7pPr marL="2971800" indent="-228600" eaLnBrk="0" fontAlgn="base" hangingPunct="0">
+              <a:spcBef>
+                <a:spcPct val="0"/>
+              </a:spcBef>
+              <a:spcAft>
+                <a:spcPct val="0"/>
+              </a:spcAft>
+              <a:defRPr>
+                <a:solidFill>
+                  <a:schemeClr val="tx1"/>
+                </a:solidFill>
+                <a:latin typeface="Arial" panose="020B0604020202020204" pitchFamily="34" charset="0"/>
+                <a:ea typeface="宋体" panose="02010600030101010101" pitchFamily="2" charset="-122"/>
+              </a:defRPr>
+            </a:lvl7pPr>
+            <a:lvl8pPr marL="3429000" indent="-228600" eaLnBrk="0" fontAlgn="base" hangingPunct="0">
+              <a:spcBef>
+                <a:spcPct val="0"/>
+              </a:spcBef>
+              <a:spcAft>
+                <a:spcPct val="0"/>
+              </a:spcAft>
+              <a:defRPr>
+                <a:solidFill>
+                  <a:schemeClr val="tx1"/>
+                </a:solidFill>
+                <a:latin typeface="Arial" panose="020B0604020202020204" pitchFamily="34" charset="0"/>
+                <a:ea typeface="宋体" panose="02010600030101010101" pitchFamily="2" charset="-122"/>
+              </a:defRPr>
+            </a:lvl8pPr>
+            <a:lvl9pPr marL="3886200" indent="-228600" eaLnBrk="0" fontAlgn="base" hangingPunct="0">
+              <a:spcBef>
+                <a:spcPct val="0"/>
+              </a:spcBef>
+              <a:spcAft>
+                <a:spcPct val="0"/>
+              </a:spcAft>
+              <a:defRPr>
+                <a:solidFill>
+                  <a:schemeClr val="tx1"/>
+                </a:solidFill>
+                <a:latin typeface="Arial" panose="020B0604020202020204" pitchFamily="34" charset="0"/>
+                <a:ea typeface="宋体" panose="02010600030101010101" pitchFamily="2" charset="-122"/>
+              </a:defRPr>
+            </a:lvl9pPr>
+          </a:lstStyle>
+          <a:p>
+            <a:pPr marL="0" marR="0" lvl="0" indent="0" algn="l" defTabSz="914400" rtl="0" eaLnBrk="1" fontAlgn="base" latinLnBrk="0" hangingPunct="1">
+              <a:lnSpc>
+                <a:spcPct val="100000"/>
+              </a:lnSpc>
+              <a:spcBef>
+                <a:spcPct val="0"/>
+              </a:spcBef>
+              <a:spcAft>
+                <a:spcPct val="0"/>
+              </a:spcAft>
+              <a:buClrTx/>
+              <a:buSzTx/>
+              <a:buFontTx/>
+              <a:buNone/>
+              <a:defRPr/>
+            </a:pPr>
+            <a:r>
+              <a:rPr lang="zh-CN" altLang="en-US" sz="2800" b="1" noProof="0" dirty="0">
+                <a:solidFill>
+                  <a:srgbClr val="62055D"/>
                 </a:solidFill>
                 <a:latin typeface="Times New Roman" panose="02020603050405020304" pitchFamily="18" charset="0"/>
+                <a:ea typeface="微软雅黑" panose="020B0503020204020204" pitchFamily="34" charset="-122"/>
                 <a:cs typeface="Times New Roman" panose="02020603050405020304" pitchFamily="18" charset="0"/>
-                <a:sym typeface="+mn-ea"/>
-              </a:rPr>
-              <a:t>Thanks</a:t>
-            </a:r>
-            <a:endParaRPr lang="zh-CN" altLang="en-US" sz="6000" spc="300" dirty="0">
+                <a:sym typeface="Impact" panose="020B0806030902050204" pitchFamily="34" charset="0"/>
+              </a:rPr>
+              <a:t>方</a:t>
+            </a:r>
+            <a:r>
+              <a:rPr lang="zh-CN" altLang="en-US" sz="2800" b="1" noProof="0" dirty="0" smtClean="0">
+                <a:solidFill>
+                  <a:srgbClr val="62055D"/>
+                </a:solidFill>
+                <a:latin typeface="Times New Roman" panose="02020603050405020304" pitchFamily="18" charset="0"/>
+                <a:ea typeface="微软雅黑" panose="020B0503020204020204" pitchFamily="34" charset="-122"/>
+                <a:cs typeface="Times New Roman" panose="02020603050405020304" pitchFamily="18" charset="0"/>
+                <a:sym typeface="Impact" panose="020B0806030902050204" pitchFamily="34" charset="0"/>
+              </a:rPr>
+              <a:t>法设计</a:t>
+            </a:r>
+            <a:endParaRPr kumimoji="0" lang="zh-CN" altLang="en-US" sz="2800" b="1" i="0" u="none" strike="noStrike" kern="1200" cap="none" spc="0" normalizeH="0" baseline="0" noProof="0" dirty="0">
+              <a:ln>
+                <a:noFill/>
+              </a:ln>
               <a:solidFill>
-                <a:srgbClr val="6E0F6C"/>
+                <a:srgbClr val="62055D"/>
               </a:solidFill>
+              <a:effectLst/>
+              <a:uLnTx/>
+              <a:uFillTx/>
               <a:latin typeface="Times New Roman" panose="02020603050405020304" pitchFamily="18" charset="0"/>
+              <a:ea typeface="微软雅黑" panose="020B0503020204020204" pitchFamily="34" charset="-122"/>
               <a:cs typeface="Times New Roman" panose="02020603050405020304" pitchFamily="18" charset="0"/>
+              <a:sym typeface="Impact" panose="020B0806030902050204" pitchFamily="34" charset="0"/>
             </a:endParaRPr>
           </a:p>
         </p:txBody>
       </p:sp>
-      <p:grpSp>
-        <p:nvGrpSpPr>
-          <p:cNvPr id="49" name="组合 48"/>
-          <p:cNvGrpSpPr/>
+      <p:pic>
+        <p:nvPicPr>
+          <p:cNvPr id="4" name="内容占位符 4"/>
+          <p:cNvPicPr>
+            <a:picLocks noChangeAspect="1"/>
+          </p:cNvPicPr>
           <p:nvPr/>
-        </p:nvGrpSpPr>
-        <p:grpSpPr>
-          <a:xfrm>
-            <a:off x="3304526" y="54442"/>
-            <a:ext cx="5582948" cy="425957"/>
-            <a:chOff x="783216" y="3993642"/>
-            <a:chExt cx="7005756" cy="622480"/>
-          </a:xfrm>
-        </p:grpSpPr>
-        <p:pic>
-          <p:nvPicPr>
-            <p:cNvPr id="50" name="图片 49"/>
-            <p:cNvPicPr>
-              <a:picLocks noChangeAspect="1"/>
-            </p:cNvPicPr>
-            <p:nvPr/>
-          </p:nvPicPr>
-          <p:blipFill>
-            <a:blip r:embed="rId4"/>
-            <a:stretch>
-              <a:fillRect/>
-            </a:stretch>
-          </p:blipFill>
-          <p:spPr>
-            <a:xfrm>
-              <a:off x="783216" y="3993642"/>
-              <a:ext cx="3331584" cy="622480"/>
-            </a:xfrm>
-            <a:prstGeom prst="rect">
-              <a:avLst/>
-            </a:prstGeom>
-            <a:solidFill>
-              <a:schemeClr val="bg1"/>
-            </a:solidFill>
-          </p:spPr>
-        </p:pic>
-        <p:pic>
-          <p:nvPicPr>
-            <p:cNvPr id="51" name="图片 50"/>
-            <p:cNvPicPr>
-              <a:picLocks noChangeAspect="1"/>
-            </p:cNvPicPr>
-            <p:nvPr/>
-          </p:nvPicPr>
-          <p:blipFill>
-            <a:blip r:embed="rId5"/>
-            <a:stretch>
-              <a:fillRect/>
-            </a:stretch>
-          </p:blipFill>
-          <p:spPr>
-            <a:xfrm>
-              <a:off x="4274559" y="3993642"/>
-              <a:ext cx="3514413" cy="622479"/>
-            </a:xfrm>
-            <a:prstGeom prst="rect">
-              <a:avLst/>
-            </a:prstGeom>
-          </p:spPr>
-        </p:pic>
-      </p:grpSp>
-      <p:sp>
-        <p:nvSpPr>
-          <p:cNvPr id="52" name="矩形 51"/>
-          <p:cNvSpPr/>
-          <p:nvPr/>
-        </p:nvSpPr>
+        </p:nvPicPr>
+        <p:blipFill>
+          <a:blip r:embed="rId3" cstate="print">
+            <a:extLst>
+              <a:ext uri="{28A0092B-C50C-407E-A947-70E740481C1C}">
+                <a14:useLocalDpi xmlns:a14="http://schemas.microsoft.com/office/drawing/2010/main" val="0"/>
+              </a:ext>
+            </a:extLst>
+          </a:blip>
+          <a:stretch>
+            <a:fillRect/>
+          </a:stretch>
+        </p:blipFill>
         <p:spPr>
           <a:xfrm>
-            <a:off x="3323123" y="54442"/>
-            <a:ext cx="5405241" cy="444322"/>
+            <a:off x="129540" y="159790"/>
+            <a:ext cx="1989778" cy="632774"/>
           </a:xfrm>
           <a:prstGeom prst="rect">
             <a:avLst/>
           </a:prstGeom>
-          <a:solidFill>
-            <a:schemeClr val="bg1">
-              <a:alpha val="66000"/>
-            </a:schemeClr>
-          </a:solidFill>
+        </p:spPr>
+      </p:pic>
+      <p:sp>
+        <p:nvSpPr>
+          <p:cNvPr id="6" name="矩形 5"/>
+          <p:cNvSpPr/>
+          <p:nvPr/>
+        </p:nvSpPr>
+        <p:spPr>
+          <a:xfrm>
+            <a:off x="2423694" y="697914"/>
+            <a:ext cx="6745244" cy="71852"/>
+          </a:xfrm>
+          <a:prstGeom prst="rect">
+            <a:avLst/>
+          </a:prstGeom>
+          <a:gradFill flip="none" rotWithShape="1">
+            <a:gsLst>
+              <a:gs pos="0">
+                <a:srgbClr val="63065F">
+                  <a:shade val="30000"/>
+                  <a:satMod val="115000"/>
+                  <a:alpha val="60000"/>
+                  <a:lumMod val="100000"/>
+                </a:srgbClr>
+              </a:gs>
+              <a:gs pos="52000">
+                <a:srgbClr val="63065F">
+                  <a:shade val="67500"/>
+                  <a:satMod val="115000"/>
+                  <a:alpha val="70000"/>
+                </a:srgbClr>
+              </a:gs>
+              <a:gs pos="100000">
+                <a:srgbClr val="63065F">
+                  <a:shade val="100000"/>
+                  <a:satMod val="115000"/>
+                </a:srgbClr>
+              </a:gs>
+            </a:gsLst>
+            <a:lin ang="5400000" scaled="1"/>
+            <a:tileRect/>
+          </a:gradFill>
           <a:ln>
             <a:noFill/>
           </a:ln>
@@ -8252,49 +10485,399 @@
           </a:p>
         </p:txBody>
       </p:sp>
+      <p:sp>
+        <p:nvSpPr>
+          <p:cNvPr id="7" name="矩形 6"/>
+          <p:cNvSpPr/>
+          <p:nvPr/>
+        </p:nvSpPr>
+        <p:spPr>
+          <a:xfrm>
+            <a:off x="301898" y="924576"/>
+            <a:ext cx="6631944" cy="523220"/>
+          </a:xfrm>
+          <a:prstGeom prst="rect">
+            <a:avLst/>
+          </a:prstGeom>
+        </p:spPr>
+        <p:txBody>
+          <a:bodyPr wrap="none">
+            <a:spAutoFit/>
+          </a:bodyPr>
+          <a:lstStyle/>
+          <a:p>
+            <a:r>
+              <a:rPr lang="en-US" altLang="zh-CN" sz="2800" b="1" dirty="0">
+                <a:latin typeface="Times New Roman" panose="02020603050405020304" pitchFamily="18" charset="0"/>
+                <a:ea typeface="微软雅黑" panose="020B0503020204020204" pitchFamily="34" charset="-122"/>
+              </a:rPr>
+              <a:t>Application to Other Decoding Scenarios</a:t>
+            </a:r>
+            <a:endParaRPr lang="zh-CN" altLang="en-US" sz="2800" b="1" dirty="0">
+              <a:latin typeface="Times New Roman" panose="02020603050405020304" pitchFamily="18" charset="0"/>
+              <a:ea typeface="微软雅黑" panose="020B0503020204020204" pitchFamily="34" charset="-122"/>
+            </a:endParaRPr>
+          </a:p>
+        </p:txBody>
+      </p:sp>
+      <p:sp>
+        <p:nvSpPr>
+          <p:cNvPr id="11" name="矩形 10"/>
+          <p:cNvSpPr/>
+          <p:nvPr/>
+        </p:nvSpPr>
+        <p:spPr>
+          <a:xfrm>
+            <a:off x="9683290" y="4743498"/>
+            <a:ext cx="2304276" cy="584775"/>
+          </a:xfrm>
+          <a:prstGeom prst="rect">
+            <a:avLst/>
+          </a:prstGeom>
+        </p:spPr>
+        <p:txBody>
+          <a:bodyPr wrap="square">
+            <a:spAutoFit/>
+          </a:bodyPr>
+          <a:lstStyle/>
+          <a:p>
+            <a:r>
+              <a:rPr lang="zh-CN" altLang="en-US" sz="1600" b="1" dirty="0" smtClean="0">
+                <a:solidFill>
+                  <a:schemeClr val="accent1"/>
+                </a:solidFill>
+                <a:latin typeface="+mj-ea"/>
+                <a:ea typeface="+mj-ea"/>
+              </a:rPr>
+              <a:t>对</a:t>
+            </a:r>
+            <a:r>
+              <a:rPr lang="zh-CN" altLang="en-US" sz="1600" b="1" dirty="0">
+                <a:solidFill>
+                  <a:schemeClr val="accent1"/>
+                </a:solidFill>
+                <a:latin typeface="+mj-ea"/>
+                <a:ea typeface="+mj-ea"/>
+              </a:rPr>
+              <a:t>于长提示词</a:t>
+            </a:r>
+            <a:r>
+              <a:rPr lang="zh-CN" altLang="en-US" sz="1600" b="1" dirty="0" smtClean="0">
+                <a:solidFill>
+                  <a:schemeClr val="accent1"/>
+                </a:solidFill>
+                <a:latin typeface="+mj-ea"/>
+                <a:ea typeface="+mj-ea"/>
+              </a:rPr>
+              <a:t>，</a:t>
+            </a:r>
+            <a:endParaRPr lang="en-US" altLang="zh-CN" sz="1600" b="1" dirty="0" smtClean="0">
+              <a:solidFill>
+                <a:schemeClr val="accent1"/>
+              </a:solidFill>
+              <a:latin typeface="+mj-ea"/>
+              <a:ea typeface="+mj-ea"/>
+            </a:endParaRPr>
+          </a:p>
+          <a:p>
+            <a:r>
+              <a:rPr lang="zh-CN" altLang="en-US" sz="1600" b="1" dirty="0" smtClean="0">
+                <a:solidFill>
+                  <a:schemeClr val="accent1"/>
+                </a:solidFill>
+                <a:latin typeface="+mj-ea"/>
+                <a:ea typeface="+mj-ea"/>
+              </a:rPr>
+              <a:t>内</a:t>
+            </a:r>
+            <a:r>
+              <a:rPr lang="zh-CN" altLang="en-US" sz="1600" b="1" dirty="0">
+                <a:solidFill>
+                  <a:schemeClr val="accent1"/>
+                </a:solidFill>
+                <a:latin typeface="+mj-ea"/>
+                <a:ea typeface="+mj-ea"/>
+              </a:rPr>
+              <a:t>存节省是巨大的</a:t>
+            </a:r>
+            <a:r>
+              <a:rPr lang="zh-CN" altLang="en-US" sz="1600" b="1" dirty="0" smtClean="0">
+                <a:solidFill>
+                  <a:schemeClr val="accent1"/>
+                </a:solidFill>
+                <a:latin typeface="+mj-ea"/>
+                <a:ea typeface="+mj-ea"/>
+              </a:rPr>
+              <a:t>。</a:t>
+            </a:r>
+            <a:endParaRPr lang="zh-CN" altLang="en-US" sz="1600" b="1" dirty="0">
+              <a:solidFill>
+                <a:schemeClr val="accent1"/>
+              </a:solidFill>
+              <a:latin typeface="+mj-ea"/>
+              <a:ea typeface="+mj-ea"/>
+            </a:endParaRPr>
+          </a:p>
+        </p:txBody>
+      </p:sp>
       <p:pic>
         <p:nvPicPr>
-          <p:cNvPr id="54" name="内容占位符 4"/>
+          <p:cNvPr id="5" name="图片 4"/>
           <p:cNvPicPr>
             <a:picLocks noChangeAspect="1"/>
           </p:cNvPicPr>
           <p:nvPr/>
         </p:nvPicPr>
         <p:blipFill>
-          <a:blip r:embed="rId6" cstate="print">
-            <a:extLst>
-              <a:ext uri="{28A0092B-C50C-407E-A947-70E740481C1C}">
-                <a14:useLocalDpi xmlns:a14="http://schemas.microsoft.com/office/drawing/2010/main" val="0"/>
-              </a:ext>
-            </a:extLst>
-          </a:blip>
+          <a:blip r:embed="rId4"/>
           <a:stretch>
             <a:fillRect/>
           </a:stretch>
         </p:blipFill>
         <p:spPr>
           <a:xfrm>
-            <a:off x="10106626" y="56868"/>
-            <a:ext cx="1989778" cy="632774"/>
+            <a:off x="2758574" y="3539856"/>
+            <a:ext cx="6654885" cy="2992060"/>
           </a:xfrm>
           <a:prstGeom prst="rect">
             <a:avLst/>
           </a:prstGeom>
         </p:spPr>
       </p:pic>
+      <p:sp>
+        <p:nvSpPr>
+          <p:cNvPr id="12" name="矩形 11"/>
+          <p:cNvSpPr/>
+          <p:nvPr/>
+        </p:nvSpPr>
+        <p:spPr>
+          <a:xfrm>
+            <a:off x="454298" y="1616545"/>
+            <a:ext cx="11603409" cy="1985159"/>
+          </a:xfrm>
+          <a:prstGeom prst="rect">
+            <a:avLst/>
+          </a:prstGeom>
+        </p:spPr>
+        <p:txBody>
+          <a:bodyPr wrap="square">
+            <a:spAutoFit/>
+          </a:bodyPr>
+          <a:lstStyle/>
+          <a:p>
+            <a:pPr>
+              <a:lnSpc>
+                <a:spcPct val="150000"/>
+              </a:lnSpc>
+            </a:pPr>
+            <a:r>
+              <a:rPr lang="zh-CN" altLang="en-US" b="1" dirty="0" smtClean="0">
+                <a:latin typeface="Times New Roman" panose="02020603050405020304" pitchFamily="18" charset="0"/>
+                <a:ea typeface="微软雅黑" panose="020B0503020204020204" pitchFamily="34" charset="-122"/>
+              </a:rPr>
+              <a:t>并</a:t>
+            </a:r>
+            <a:r>
+              <a:rPr lang="zh-CN" altLang="en-US" b="1" dirty="0">
+                <a:latin typeface="Times New Roman" panose="02020603050405020304" pitchFamily="18" charset="0"/>
+                <a:ea typeface="微软雅黑" panose="020B0503020204020204" pitchFamily="34" charset="-122"/>
+              </a:rPr>
+              <a:t>行采样 </a:t>
+            </a:r>
+            <a:r>
+              <a:rPr lang="en-US" altLang="zh-CN" b="1" dirty="0">
+                <a:latin typeface="Times New Roman" panose="02020603050405020304" pitchFamily="18" charset="0"/>
+                <a:ea typeface="微软雅黑" panose="020B0503020204020204" pitchFamily="34" charset="-122"/>
+              </a:rPr>
+              <a:t>(Parallel Sampling</a:t>
+            </a:r>
+            <a:r>
+              <a:rPr lang="en-US" altLang="zh-CN" b="1" dirty="0" smtClean="0">
+                <a:latin typeface="Times New Roman" panose="02020603050405020304" pitchFamily="18" charset="0"/>
+                <a:ea typeface="微软雅黑" panose="020B0503020204020204" pitchFamily="34" charset="-122"/>
+              </a:rPr>
+              <a:t>)</a:t>
+            </a:r>
+            <a:endParaRPr lang="en-US" altLang="zh-CN" dirty="0">
+              <a:latin typeface="Times New Roman" panose="02020603050405020304" pitchFamily="18" charset="0"/>
+              <a:ea typeface="微软雅黑" panose="020B0503020204020204" pitchFamily="34" charset="-122"/>
+            </a:endParaRPr>
+          </a:p>
+          <a:p>
+            <a:pPr>
+              <a:lnSpc>
+                <a:spcPct val="150000"/>
+              </a:lnSpc>
+            </a:pPr>
+            <a:r>
+              <a:rPr lang="zh-CN" altLang="en-US" sz="1600" dirty="0">
+                <a:latin typeface="Times New Roman" panose="02020603050405020304" pitchFamily="18" charset="0"/>
+                <a:ea typeface="微软雅黑" panose="020B0503020204020204" pitchFamily="34" charset="-122"/>
+              </a:rPr>
+              <a:t>一个 </a:t>
+            </a:r>
+            <a:r>
+              <a:rPr lang="en-US" altLang="zh-CN" sz="1600" dirty="0">
+                <a:latin typeface="Times New Roman" panose="02020603050405020304" pitchFamily="18" charset="0"/>
+                <a:ea typeface="微软雅黑" panose="020B0503020204020204" pitchFamily="34" charset="-122"/>
+              </a:rPr>
+              <a:t>LLM </a:t>
+            </a:r>
+            <a:r>
+              <a:rPr lang="zh-CN" altLang="en-US" sz="1600" dirty="0">
+                <a:latin typeface="Times New Roman" panose="02020603050405020304" pitchFamily="18" charset="0"/>
+                <a:ea typeface="微软雅黑" panose="020B0503020204020204" pitchFamily="34" charset="-122"/>
+              </a:rPr>
+              <a:t>会为单个输入提示词生成多个采样输出</a:t>
+            </a:r>
+            <a:r>
+              <a:rPr lang="zh-CN" altLang="en-US" sz="1600" dirty="0" smtClean="0">
+                <a:latin typeface="Times New Roman" panose="02020603050405020304" pitchFamily="18" charset="0"/>
+                <a:ea typeface="微软雅黑" panose="020B0503020204020204" pitchFamily="34" charset="-122"/>
+              </a:rPr>
+              <a:t>；</a:t>
+            </a:r>
+            <a:r>
+              <a:rPr lang="zh-CN" altLang="en-US" sz="1600" dirty="0"/>
+              <a:t>在并行采样中，一个请求包含多个共享相同输入提示词的样本，这使得提示词的 </a:t>
+            </a:r>
+            <a:r>
+              <a:rPr lang="en-US" altLang="zh-CN" sz="1600" dirty="0"/>
+              <a:t>KV </a:t>
+            </a:r>
+            <a:r>
+              <a:rPr lang="zh-CN" altLang="en-US" sz="1600" dirty="0"/>
+              <a:t>缓存也可以被共享</a:t>
+            </a:r>
+            <a:r>
+              <a:rPr lang="zh-CN" altLang="en-US" sz="1600" dirty="0" smtClean="0"/>
+              <a:t>。</a:t>
+            </a:r>
+            <a:r>
+              <a:rPr lang="zh-CN" altLang="en-US" sz="1600" dirty="0"/>
+              <a:t>但是</a:t>
+            </a:r>
+            <a:r>
+              <a:rPr lang="en-US" altLang="zh-CN" sz="1600" dirty="0" smtClean="0"/>
+              <a:t>vLLM </a:t>
+            </a:r>
+            <a:r>
+              <a:rPr lang="zh-CN" altLang="en-US" sz="1600" dirty="0"/>
+              <a:t>在物理块粒度上实现了</a:t>
+            </a:r>
+            <a:r>
+              <a:rPr lang="zh-CN" altLang="en-US" sz="1600" b="1" dirty="0"/>
+              <a:t>写时复制</a:t>
+            </a:r>
+            <a:r>
+              <a:rPr lang="zh-CN" altLang="en-US" sz="1600" dirty="0"/>
+              <a:t>（</a:t>
+            </a:r>
+            <a:r>
+              <a:rPr lang="en-US" altLang="zh-CN" sz="1600" dirty="0"/>
+              <a:t>copy-on-write</a:t>
+            </a:r>
+            <a:r>
+              <a:rPr lang="zh-CN" altLang="en-US" sz="1600" dirty="0"/>
+              <a:t>）机制，用于需要被多个序列修改的物理块，类似于操作系统虚拟内存中的写时复制技术（例如，</a:t>
+            </a:r>
+            <a:r>
+              <a:rPr lang="en-US" altLang="zh-CN" sz="1600" dirty="0"/>
+              <a:t>fork </a:t>
+            </a:r>
+            <a:r>
+              <a:rPr lang="zh-CN" altLang="en-US" sz="1600" dirty="0"/>
+              <a:t>进程时）</a:t>
+            </a:r>
+            <a:r>
+              <a:rPr lang="zh-CN" altLang="en-US" sz="1600" dirty="0" smtClean="0"/>
+              <a:t>。</a:t>
+            </a:r>
+            <a:r>
+              <a:rPr lang="zh-CN" altLang="en-US" sz="1600" dirty="0"/>
+              <a:t>当某个采样序列（如 </a:t>
+            </a:r>
+            <a:r>
+              <a:rPr lang="en-US" altLang="zh-CN" sz="1600" dirty="0"/>
+              <a:t>A1</a:t>
+            </a:r>
+            <a:r>
+              <a:rPr lang="zh-CN" altLang="en-US" sz="1600" dirty="0"/>
+              <a:t>）需要生成第一个输出 </a:t>
+            </a:r>
+            <a:r>
+              <a:rPr lang="en-US" altLang="zh-CN" sz="1600" dirty="0"/>
+              <a:t>token </a:t>
+            </a:r>
+            <a:r>
+              <a:rPr lang="zh-CN" altLang="en-US" sz="1600" dirty="0"/>
+              <a:t>并修改其最后一个逻辑块（逻辑块</a:t>
+            </a:r>
+            <a:r>
+              <a:rPr lang="en-US" altLang="zh-CN" sz="1600" dirty="0"/>
+              <a:t>1</a:t>
+            </a:r>
+            <a:r>
+              <a:rPr lang="zh-CN" altLang="en-US" sz="1600" dirty="0"/>
+              <a:t>）时，</a:t>
+            </a:r>
+            <a:r>
+              <a:rPr lang="en-US" altLang="zh-CN" sz="1600" dirty="0"/>
+              <a:t>vLLM </a:t>
+            </a:r>
+            <a:r>
+              <a:rPr lang="zh-CN" altLang="en-US" sz="1600" dirty="0"/>
+              <a:t>检测到该物理块（物理块</a:t>
+            </a:r>
+            <a:r>
+              <a:rPr lang="en-US" altLang="zh-CN" sz="1600" dirty="0"/>
+              <a:t>1</a:t>
+            </a:r>
+            <a:r>
+              <a:rPr lang="zh-CN" altLang="en-US" sz="1600" dirty="0"/>
+              <a:t>）的引用计数 </a:t>
+            </a:r>
+            <a:r>
+              <a:rPr lang="en-US" altLang="zh-CN" sz="1600" dirty="0"/>
+              <a:t>&gt; </a:t>
+            </a:r>
+            <a:r>
+              <a:rPr lang="en-US" altLang="zh-CN" sz="1600" dirty="0" smtClean="0"/>
+              <a:t>1</a:t>
+            </a:r>
+            <a:r>
+              <a:rPr lang="zh-CN" altLang="en-US" sz="1600" dirty="0" smtClean="0"/>
+              <a:t>，于是复制一个新的物理块</a:t>
+            </a:r>
+            <a:r>
+              <a:rPr lang="en-US" altLang="zh-CN" sz="1600" dirty="0" smtClean="0"/>
+              <a:t>3</a:t>
+            </a:r>
+            <a:r>
+              <a:rPr lang="zh-CN" altLang="en-US" sz="1600" dirty="0" smtClean="0"/>
+              <a:t>。</a:t>
+            </a:r>
+            <a:endParaRPr lang="zh-CN" altLang="en-US" sz="1600" dirty="0"/>
+          </a:p>
+        </p:txBody>
+      </p:sp>
     </p:spTree>
+    <p:extLst>
+      <p:ext uri="{BB962C8B-B14F-4D97-AF65-F5344CB8AC3E}">
+        <p14:creationId xmlns:p14="http://schemas.microsoft.com/office/powerpoint/2010/main" val="527905284"/>
+      </p:ext>
+    </p:extLst>
   </p:cSld>
   <p:clrMapOvr>
     <a:masterClrMapping/>
   </p:clrMapOvr>
-  <mc:AlternateContent xmlns:mc="http://schemas.openxmlformats.org/markup-compatibility/2006" xmlns:p14="http://schemas.microsoft.com/office/powerpoint/2010/main">
-    <mc:Choice Requires="p14">
-      <p:transition p14:dur="0"/>
-    </mc:Choice>
-    <mc:Fallback xmlns="">
-      <p:transition/>
-    </mc:Fallback>
-  </mc:AlternateContent>
+  <p:timing>
+    <p:tnLst>
+      <p:par>
+        <p:cTn id="1" dur="indefinite" restart="never" nodeType="tmRoot"/>
+      </p:par>
+    </p:tnLst>
+  </p:timing>
 </p:sld>
 </file>
 
